--- a/Illustrations/Pinout_2024.pptx
+++ b/Illustrations/Pinout_2024.pptx
@@ -114,7 +114,7 @@
   </p:defaultTextStyle>
   <p:extLst>
     <p:ext uri="{EFAFB233-063F-42B5-8137-9DF3F51BA10A}">
-      <p15:sldGuideLst xmlns="" xmlns:p15="http://schemas.microsoft.com/office/powerpoint/2012/main">
+      <p15:sldGuideLst xmlns:p15="http://schemas.microsoft.com/office/powerpoint/2012/main" xmlns="">
         <p15:guide id="1" orient="horz" pos="2160">
           <p15:clr>
             <a:srgbClr val="A4A3A4"/>
@@ -313,7 +313,7 @@
             <a:fld id="{AA309A6D-C09C-4548-B29A-6CF363A7E532}" type="datetimeFigureOut">
               <a:rPr lang="fr-FR" smtClean="0"/>
               <a:pPr/>
-              <a:t>16/03/2024</a:t>
+              <a:t>23/03/2024</a:t>
             </a:fld>
             <a:endParaRPr lang="fr-BE"/>
           </a:p>
@@ -480,7 +480,7 @@
             <a:fld id="{AA309A6D-C09C-4548-B29A-6CF363A7E532}" type="datetimeFigureOut">
               <a:rPr lang="fr-FR" smtClean="0"/>
               <a:pPr/>
-              <a:t>16/03/2024</a:t>
+              <a:t>23/03/2024</a:t>
             </a:fld>
             <a:endParaRPr lang="fr-BE"/>
           </a:p>
@@ -657,7 +657,7 @@
             <a:fld id="{AA309A6D-C09C-4548-B29A-6CF363A7E532}" type="datetimeFigureOut">
               <a:rPr lang="fr-FR" smtClean="0"/>
               <a:pPr/>
-              <a:t>16/03/2024</a:t>
+              <a:t>23/03/2024</a:t>
             </a:fld>
             <a:endParaRPr lang="fr-BE"/>
           </a:p>
@@ -824,7 +824,7 @@
             <a:fld id="{AA309A6D-C09C-4548-B29A-6CF363A7E532}" type="datetimeFigureOut">
               <a:rPr lang="fr-FR" smtClean="0"/>
               <a:pPr/>
-              <a:t>16/03/2024</a:t>
+              <a:t>23/03/2024</a:t>
             </a:fld>
             <a:endParaRPr lang="fr-BE"/>
           </a:p>
@@ -1067,7 +1067,7 @@
             <a:fld id="{AA309A6D-C09C-4548-B29A-6CF363A7E532}" type="datetimeFigureOut">
               <a:rPr lang="fr-FR" smtClean="0"/>
               <a:pPr/>
-              <a:t>16/03/2024</a:t>
+              <a:t>23/03/2024</a:t>
             </a:fld>
             <a:endParaRPr lang="fr-BE"/>
           </a:p>
@@ -1352,7 +1352,7 @@
             <a:fld id="{AA309A6D-C09C-4548-B29A-6CF363A7E532}" type="datetimeFigureOut">
               <a:rPr lang="fr-FR" smtClean="0"/>
               <a:pPr/>
-              <a:t>16/03/2024</a:t>
+              <a:t>23/03/2024</a:t>
             </a:fld>
             <a:endParaRPr lang="fr-BE"/>
           </a:p>
@@ -1771,7 +1771,7 @@
             <a:fld id="{AA309A6D-C09C-4548-B29A-6CF363A7E532}" type="datetimeFigureOut">
               <a:rPr lang="fr-FR" smtClean="0"/>
               <a:pPr/>
-              <a:t>16/03/2024</a:t>
+              <a:t>23/03/2024</a:t>
             </a:fld>
             <a:endParaRPr lang="fr-BE"/>
           </a:p>
@@ -1886,7 +1886,7 @@
             <a:fld id="{AA309A6D-C09C-4548-B29A-6CF363A7E532}" type="datetimeFigureOut">
               <a:rPr lang="fr-FR" smtClean="0"/>
               <a:pPr/>
-              <a:t>16/03/2024</a:t>
+              <a:t>23/03/2024</a:t>
             </a:fld>
             <a:endParaRPr lang="fr-BE"/>
           </a:p>
@@ -1978,7 +1978,7 @@
             <a:fld id="{AA309A6D-C09C-4548-B29A-6CF363A7E532}" type="datetimeFigureOut">
               <a:rPr lang="fr-FR" smtClean="0"/>
               <a:pPr/>
-              <a:t>16/03/2024</a:t>
+              <a:t>23/03/2024</a:t>
             </a:fld>
             <a:endParaRPr lang="fr-BE"/>
           </a:p>
@@ -2252,7 +2252,7 @@
             <a:fld id="{AA309A6D-C09C-4548-B29A-6CF363A7E532}" type="datetimeFigureOut">
               <a:rPr lang="fr-FR" smtClean="0"/>
               <a:pPr/>
-              <a:t>16/03/2024</a:t>
+              <a:t>23/03/2024</a:t>
             </a:fld>
             <a:endParaRPr lang="fr-BE"/>
           </a:p>
@@ -2502,7 +2502,7 @@
             <a:fld id="{AA309A6D-C09C-4548-B29A-6CF363A7E532}" type="datetimeFigureOut">
               <a:rPr lang="fr-FR" smtClean="0"/>
               <a:pPr/>
-              <a:t>16/03/2024</a:t>
+              <a:t>23/03/2024</a:t>
             </a:fld>
             <a:endParaRPr lang="fr-BE"/>
           </a:p>
@@ -2712,7 +2712,7 @@
             <a:fld id="{AA309A6D-C09C-4548-B29A-6CF363A7E532}" type="datetimeFigureOut">
               <a:rPr lang="fr-FR" smtClean="0"/>
               <a:pPr/>
-              <a:t>16/03/2024</a:t>
+              <a:t>23/03/2024</a:t>
             </a:fld>
             <a:endParaRPr lang="fr-BE"/>
           </a:p>
@@ -4415,11 +4415,7 @@
           <a:p>
             <a:r>
               <a:rPr lang="fr-FR" dirty="0" smtClean="0"/>
-              <a:t>CS to </a:t>
-            </a:r>
-            <a:r>
-              <a:rPr lang="fr-FR" dirty="0" smtClean="0"/>
-              <a:t>D10paint</a:t>
+              <a:t>CS to D10paint</a:t>
             </a:r>
           </a:p>
           <a:p>
@@ -9247,12 +9243,12 @@
               <a:t> </a:t>
             </a:r>
             <a:r>
-              <a:rPr lang="fr-FR" dirty="0" err="1" smtClean="0"/>
-              <a:t>prefix</a:t>
-            </a:r>
-            <a:r>
               <a:rPr lang="fr-FR" dirty="0" smtClean="0"/>
-              <a:t> : 88 33 </a:t>
+              <a:t>: </a:t>
+            </a:r>
+            <a:r>
+              <a:rPr lang="fr-FR" dirty="0" smtClean="0"/>
+              <a:t>88 33 </a:t>
             </a:r>
             <a:r>
               <a:rPr lang="fr-FR" dirty="0" smtClean="0">
@@ -10579,7 +10575,7 @@
         <p:spPr>
           <a:xfrm>
             <a:off x="3779912" y="2761183"/>
-            <a:ext cx="3816424" cy="307777"/>
+            <a:ext cx="4608512" cy="307777"/>
           </a:xfrm>
           <a:prstGeom prst="rect">
             <a:avLst/>
@@ -10593,20 +10589,32 @@
           <a:lstStyle/>
           <a:p>
             <a:r>
+              <a:rPr lang="fr-FR" sz="1400" dirty="0" smtClean="0"/>
+              <a:t>1 </a:t>
+            </a:r>
+            <a:r>
+              <a:rPr lang="fr-FR" sz="1400" dirty="0" err="1" smtClean="0"/>
+              <a:t>print</a:t>
+            </a:r>
+            <a:r>
+              <a:rPr lang="fr-FR" sz="1400" dirty="0" smtClean="0"/>
+              <a:t>, </a:t>
+            </a:r>
+            <a:r>
               <a:rPr lang="fr-FR" sz="1400" dirty="0" err="1" smtClean="0"/>
               <a:t>margin</a:t>
             </a:r>
             <a:r>
               <a:rPr lang="fr-FR" sz="1400" dirty="0" smtClean="0"/>
-              <a:t>=0x00, default palette, max </a:t>
-            </a:r>
-            <a:r>
-              <a:rPr lang="fr-FR" sz="1400" dirty="0" err="1" smtClean="0"/>
-              <a:t>print</a:t>
+              <a:t>=0x00</a:t>
             </a:r>
             <a:r>
               <a:rPr lang="fr-FR" sz="1400" dirty="0" smtClean="0"/>
-              <a:t> </a:t>
+              <a:t>, default palette, max </a:t>
+            </a:r>
+            <a:r>
+              <a:rPr lang="fr-FR" sz="1400" dirty="0" smtClean="0"/>
+              <a:t>printing </a:t>
             </a:r>
             <a:r>
               <a:rPr lang="fr-FR" sz="1400" dirty="0" err="1" smtClean="0"/>
@@ -10933,8 +10941,8 @@
         </p:nvSpPr>
         <p:spPr>
           <a:xfrm rot="16200000">
-            <a:off x="5868144" y="2636913"/>
-            <a:ext cx="288031" cy="864096"/>
+            <a:off x="5724129" y="2492898"/>
+            <a:ext cx="288031" cy="1152126"/>
           </a:xfrm>
           <a:prstGeom prst="rightBrace">
             <a:avLst>
@@ -10975,7 +10983,7 @@
         <p:spPr>
           <a:xfrm>
             <a:off x="3779912" y="5085184"/>
-            <a:ext cx="3816424" cy="307777"/>
+            <a:ext cx="4824536" cy="307777"/>
           </a:xfrm>
           <a:prstGeom prst="rect">
             <a:avLst/>
@@ -10989,20 +10997,32 @@
           <a:lstStyle/>
           <a:p>
             <a:r>
+              <a:rPr lang="fr-FR" sz="1400" dirty="0" smtClean="0"/>
+              <a:t>1 </a:t>
+            </a:r>
+            <a:r>
+              <a:rPr lang="fr-FR" sz="1400" dirty="0" err="1" smtClean="0"/>
+              <a:t>print</a:t>
+            </a:r>
+            <a:r>
+              <a:rPr lang="fr-FR" sz="1400" dirty="0" smtClean="0"/>
+              <a:t>, </a:t>
+            </a:r>
+            <a:r>
               <a:rPr lang="fr-FR" sz="1400" dirty="0" err="1" smtClean="0"/>
               <a:t>margin</a:t>
             </a:r>
             <a:r>
               <a:rPr lang="fr-FR" sz="1400" dirty="0" smtClean="0"/>
-              <a:t>=0x00, default palette, max </a:t>
-            </a:r>
-            <a:r>
-              <a:rPr lang="fr-FR" sz="1400" dirty="0" err="1" smtClean="0"/>
-              <a:t>print</a:t>
+              <a:t>=0x03, </a:t>
             </a:r>
             <a:r>
               <a:rPr lang="fr-FR" sz="1400" dirty="0" smtClean="0"/>
-              <a:t> </a:t>
+              <a:t>default palette, max </a:t>
+            </a:r>
+            <a:r>
+              <a:rPr lang="fr-FR" sz="1400" dirty="0" smtClean="0"/>
+              <a:t>printing </a:t>
             </a:r>
             <a:r>
               <a:rPr lang="fr-FR" sz="1400" dirty="0" err="1" smtClean="0"/>
@@ -11020,8 +11040,8 @@
         </p:nvSpPr>
         <p:spPr>
           <a:xfrm rot="16200000">
-            <a:off x="5878017" y="4951041"/>
-            <a:ext cx="268286" cy="864096"/>
+            <a:off x="5734001" y="4807025"/>
+            <a:ext cx="268286" cy="1152128"/>
           </a:xfrm>
           <a:prstGeom prst="rightBrace">
             <a:avLst>
@@ -11050,6 +11070,290 @@
           <a:p>
             <a:pPr algn="ctr"/>
             <a:endParaRPr lang="fr-FR"/>
+          </a:p>
+        </p:txBody>
+      </p:sp>
+      <p:sp>
+        <p:nvSpPr>
+          <p:cNvPr id="35" name="Accolade fermante 34"/>
+          <p:cNvSpPr/>
+          <p:nvPr/>
+        </p:nvSpPr>
+        <p:spPr>
+          <a:xfrm rot="16200000">
+            <a:off x="4499992" y="1700808"/>
+            <a:ext cx="288032" cy="576064"/>
+          </a:xfrm>
+          <a:prstGeom prst="rightBrace">
+            <a:avLst/>
+          </a:prstGeom>
+        </p:spPr>
+        <p:style>
+          <a:lnRef idx="1">
+            <a:schemeClr val="accent1"/>
+          </a:lnRef>
+          <a:fillRef idx="0">
+            <a:schemeClr val="accent1"/>
+          </a:fillRef>
+          <a:effectRef idx="0">
+            <a:schemeClr val="accent1"/>
+          </a:effectRef>
+          <a:fontRef idx="minor">
+            <a:schemeClr val="tx1"/>
+          </a:fontRef>
+        </p:style>
+        <p:txBody>
+          <a:bodyPr rtlCol="0" anchor="ctr"/>
+          <a:lstStyle/>
+          <a:p>
+            <a:pPr algn="ctr"/>
+            <a:endParaRPr lang="fr-FR"/>
+          </a:p>
+        </p:txBody>
+      </p:sp>
+      <p:sp>
+        <p:nvSpPr>
+          <p:cNvPr id="36" name="ZoneTexte 35"/>
+          <p:cNvSpPr txBox="1"/>
+          <p:nvPr/>
+        </p:nvSpPr>
+        <p:spPr>
+          <a:xfrm>
+            <a:off x="4067944" y="1628800"/>
+            <a:ext cx="2160240" cy="307777"/>
+          </a:xfrm>
+          <a:prstGeom prst="rect">
+            <a:avLst/>
+          </a:prstGeom>
+          <a:noFill/>
+        </p:spPr>
+        <p:txBody>
+          <a:bodyPr wrap="square" rtlCol="0">
+            <a:spAutoFit/>
+          </a:bodyPr>
+          <a:lstStyle/>
+          <a:p>
+            <a:r>
+              <a:rPr lang="fr-FR" sz="1400" dirty="0" err="1" smtClean="0"/>
+              <a:t>Length</a:t>
+            </a:r>
+            <a:r>
+              <a:rPr lang="fr-FR" sz="1400" dirty="0" smtClean="0"/>
+              <a:t> of DATA 0x0280</a:t>
+            </a:r>
+            <a:endParaRPr lang="fr-FR" sz="1400" dirty="0" smtClean="0"/>
+          </a:p>
+        </p:txBody>
+      </p:sp>
+      <p:sp>
+        <p:nvSpPr>
+          <p:cNvPr id="37" name="Accolade fermante 36"/>
+          <p:cNvSpPr/>
+          <p:nvPr/>
+        </p:nvSpPr>
+        <p:spPr>
+          <a:xfrm rot="16200000">
+            <a:off x="5148064" y="2276872"/>
+            <a:ext cx="288032" cy="576064"/>
+          </a:xfrm>
+          <a:prstGeom prst="rightBrace">
+            <a:avLst/>
+          </a:prstGeom>
+        </p:spPr>
+        <p:style>
+          <a:lnRef idx="1">
+            <a:schemeClr val="accent1"/>
+          </a:lnRef>
+          <a:fillRef idx="0">
+            <a:schemeClr val="accent1"/>
+          </a:fillRef>
+          <a:effectRef idx="0">
+            <a:schemeClr val="accent1"/>
+          </a:effectRef>
+          <a:fontRef idx="minor">
+            <a:schemeClr val="tx1"/>
+          </a:fontRef>
+        </p:style>
+        <p:txBody>
+          <a:bodyPr rtlCol="0" anchor="ctr"/>
+          <a:lstStyle/>
+          <a:p>
+            <a:pPr algn="ctr"/>
+            <a:endParaRPr lang="fr-FR"/>
+          </a:p>
+        </p:txBody>
+      </p:sp>
+      <p:sp>
+        <p:nvSpPr>
+          <p:cNvPr id="38" name="ZoneTexte 37"/>
+          <p:cNvSpPr txBox="1"/>
+          <p:nvPr/>
+        </p:nvSpPr>
+        <p:spPr>
+          <a:xfrm>
+            <a:off x="4716016" y="2204864"/>
+            <a:ext cx="1872208" cy="307777"/>
+          </a:xfrm>
+          <a:prstGeom prst="rect">
+            <a:avLst/>
+          </a:prstGeom>
+          <a:noFill/>
+        </p:spPr>
+        <p:txBody>
+          <a:bodyPr wrap="square" rtlCol="0">
+            <a:spAutoFit/>
+          </a:bodyPr>
+          <a:lstStyle/>
+          <a:p>
+            <a:r>
+              <a:rPr lang="fr-FR" sz="1400" dirty="0" err="1" smtClean="0"/>
+              <a:t>Length</a:t>
+            </a:r>
+            <a:r>
+              <a:rPr lang="fr-FR" sz="1400" dirty="0" smtClean="0"/>
+              <a:t> of DATA 0x0000</a:t>
+            </a:r>
+            <a:endParaRPr lang="fr-FR" sz="1400" dirty="0" smtClean="0"/>
+          </a:p>
+        </p:txBody>
+      </p:sp>
+      <p:sp>
+        <p:nvSpPr>
+          <p:cNvPr id="39" name="Accolade fermante 38"/>
+          <p:cNvSpPr/>
+          <p:nvPr/>
+        </p:nvSpPr>
+        <p:spPr>
+          <a:xfrm rot="5400000">
+            <a:off x="4860032" y="3068960"/>
+            <a:ext cx="288032" cy="576064"/>
+          </a:xfrm>
+          <a:prstGeom prst="rightBrace">
+            <a:avLst/>
+          </a:prstGeom>
+        </p:spPr>
+        <p:style>
+          <a:lnRef idx="1">
+            <a:schemeClr val="accent1"/>
+          </a:lnRef>
+          <a:fillRef idx="0">
+            <a:schemeClr val="accent1"/>
+          </a:fillRef>
+          <a:effectRef idx="0">
+            <a:schemeClr val="accent1"/>
+          </a:effectRef>
+          <a:fontRef idx="minor">
+            <a:schemeClr val="tx1"/>
+          </a:fontRef>
+        </p:style>
+        <p:txBody>
+          <a:bodyPr rtlCol="0" anchor="ctr"/>
+          <a:lstStyle/>
+          <a:p>
+            <a:pPr algn="ctr"/>
+            <a:endParaRPr lang="fr-FR"/>
+          </a:p>
+        </p:txBody>
+      </p:sp>
+      <p:sp>
+        <p:nvSpPr>
+          <p:cNvPr id="40" name="ZoneTexte 39"/>
+          <p:cNvSpPr txBox="1"/>
+          <p:nvPr/>
+        </p:nvSpPr>
+        <p:spPr>
+          <a:xfrm>
+            <a:off x="4427984" y="3356992"/>
+            <a:ext cx="1872208" cy="307777"/>
+          </a:xfrm>
+          <a:prstGeom prst="rect">
+            <a:avLst/>
+          </a:prstGeom>
+          <a:noFill/>
+        </p:spPr>
+        <p:txBody>
+          <a:bodyPr wrap="square" rtlCol="0">
+            <a:spAutoFit/>
+          </a:bodyPr>
+          <a:lstStyle/>
+          <a:p>
+            <a:r>
+              <a:rPr lang="fr-FR" sz="1400" dirty="0" err="1" smtClean="0"/>
+              <a:t>Length</a:t>
+            </a:r>
+            <a:r>
+              <a:rPr lang="fr-FR" sz="1400" dirty="0" smtClean="0"/>
+              <a:t> of DATA 0x0004</a:t>
+            </a:r>
+            <a:endParaRPr lang="fr-FR" sz="1400" dirty="0" smtClean="0"/>
+          </a:p>
+        </p:txBody>
+      </p:sp>
+      <p:sp>
+        <p:nvSpPr>
+          <p:cNvPr id="41" name="Accolade fermante 40"/>
+          <p:cNvSpPr/>
+          <p:nvPr/>
+        </p:nvSpPr>
+        <p:spPr>
+          <a:xfrm rot="5400000">
+            <a:off x="4067944" y="2132856"/>
+            <a:ext cx="288032" cy="288032"/>
+          </a:xfrm>
+          <a:prstGeom prst="rightBrace">
+            <a:avLst/>
+          </a:prstGeom>
+        </p:spPr>
+        <p:style>
+          <a:lnRef idx="1">
+            <a:schemeClr val="accent1"/>
+          </a:lnRef>
+          <a:fillRef idx="0">
+            <a:schemeClr val="accent1"/>
+          </a:fillRef>
+          <a:effectRef idx="0">
+            <a:schemeClr val="accent1"/>
+          </a:effectRef>
+          <a:fontRef idx="minor">
+            <a:schemeClr val="tx1"/>
+          </a:fontRef>
+        </p:style>
+        <p:txBody>
+          <a:bodyPr rtlCol="0" anchor="ctr"/>
+          <a:lstStyle/>
+          <a:p>
+            <a:pPr algn="ctr"/>
+            <a:endParaRPr lang="fr-FR"/>
+          </a:p>
+        </p:txBody>
+      </p:sp>
+      <p:sp>
+        <p:nvSpPr>
+          <p:cNvPr id="42" name="ZoneTexte 41"/>
+          <p:cNvSpPr txBox="1"/>
+          <p:nvPr/>
+        </p:nvSpPr>
+        <p:spPr>
+          <a:xfrm>
+            <a:off x="2915816" y="2204864"/>
+            <a:ext cx="1368152" cy="307777"/>
+          </a:xfrm>
+          <a:prstGeom prst="rect">
+            <a:avLst/>
+          </a:prstGeom>
+          <a:noFill/>
+        </p:spPr>
+        <p:txBody>
+          <a:bodyPr wrap="square" rtlCol="0">
+            <a:spAutoFit/>
+          </a:bodyPr>
+          <a:lstStyle/>
+          <a:p>
+            <a:r>
+              <a:rPr lang="fr-FR" sz="1400" dirty="0" smtClean="0"/>
+              <a:t>No compression</a:t>
+            </a:r>
+            <a:endParaRPr lang="fr-FR" sz="1400" dirty="0" smtClean="0"/>
           </a:p>
         </p:txBody>
       </p:sp>

--- a/Illustrations/Pinout_2024.pptx
+++ b/Illustrations/Pinout_2024.pptx
@@ -114,7 +114,7 @@
   </p:defaultTextStyle>
   <p:extLst>
     <p:ext uri="{EFAFB233-063F-42B5-8137-9DF3F51BA10A}">
-      <p15:sldGuideLst xmlns:p15="http://schemas.microsoft.com/office/powerpoint/2012/main" xmlns="">
+      <p15:sldGuideLst xmlns:p15="http://schemas.microsoft.com/office/powerpoint/2012/main">
         <p15:guide id="1" orient="horz" pos="2160">
           <p15:clr>
             <a:srgbClr val="A4A3A4"/>
@@ -313,7 +313,7 @@
             <a:fld id="{AA309A6D-C09C-4548-B29A-6CF363A7E532}" type="datetimeFigureOut">
               <a:rPr lang="fr-FR" smtClean="0"/>
               <a:pPr/>
-              <a:t>23/03/2024</a:t>
+              <a:t>25/03/2024</a:t>
             </a:fld>
             <a:endParaRPr lang="fr-BE"/>
           </a:p>
@@ -480,7 +480,7 @@
             <a:fld id="{AA309A6D-C09C-4548-B29A-6CF363A7E532}" type="datetimeFigureOut">
               <a:rPr lang="fr-FR" smtClean="0"/>
               <a:pPr/>
-              <a:t>23/03/2024</a:t>
+              <a:t>25/03/2024</a:t>
             </a:fld>
             <a:endParaRPr lang="fr-BE"/>
           </a:p>
@@ -657,7 +657,7 @@
             <a:fld id="{AA309A6D-C09C-4548-B29A-6CF363A7E532}" type="datetimeFigureOut">
               <a:rPr lang="fr-FR" smtClean="0"/>
               <a:pPr/>
-              <a:t>23/03/2024</a:t>
+              <a:t>25/03/2024</a:t>
             </a:fld>
             <a:endParaRPr lang="fr-BE"/>
           </a:p>
@@ -824,7 +824,7 @@
             <a:fld id="{AA309A6D-C09C-4548-B29A-6CF363A7E532}" type="datetimeFigureOut">
               <a:rPr lang="fr-FR" smtClean="0"/>
               <a:pPr/>
-              <a:t>23/03/2024</a:t>
+              <a:t>25/03/2024</a:t>
             </a:fld>
             <a:endParaRPr lang="fr-BE"/>
           </a:p>
@@ -1067,7 +1067,7 @@
             <a:fld id="{AA309A6D-C09C-4548-B29A-6CF363A7E532}" type="datetimeFigureOut">
               <a:rPr lang="fr-FR" smtClean="0"/>
               <a:pPr/>
-              <a:t>23/03/2024</a:t>
+              <a:t>25/03/2024</a:t>
             </a:fld>
             <a:endParaRPr lang="fr-BE"/>
           </a:p>
@@ -1352,7 +1352,7 @@
             <a:fld id="{AA309A6D-C09C-4548-B29A-6CF363A7E532}" type="datetimeFigureOut">
               <a:rPr lang="fr-FR" smtClean="0"/>
               <a:pPr/>
-              <a:t>23/03/2024</a:t>
+              <a:t>25/03/2024</a:t>
             </a:fld>
             <a:endParaRPr lang="fr-BE"/>
           </a:p>
@@ -1771,7 +1771,7 @@
             <a:fld id="{AA309A6D-C09C-4548-B29A-6CF363A7E532}" type="datetimeFigureOut">
               <a:rPr lang="fr-FR" smtClean="0"/>
               <a:pPr/>
-              <a:t>23/03/2024</a:t>
+              <a:t>25/03/2024</a:t>
             </a:fld>
             <a:endParaRPr lang="fr-BE"/>
           </a:p>
@@ -1886,7 +1886,7 @@
             <a:fld id="{AA309A6D-C09C-4548-B29A-6CF363A7E532}" type="datetimeFigureOut">
               <a:rPr lang="fr-FR" smtClean="0"/>
               <a:pPr/>
-              <a:t>23/03/2024</a:t>
+              <a:t>25/03/2024</a:t>
             </a:fld>
             <a:endParaRPr lang="fr-BE"/>
           </a:p>
@@ -1978,7 +1978,7 @@
             <a:fld id="{AA309A6D-C09C-4548-B29A-6CF363A7E532}" type="datetimeFigureOut">
               <a:rPr lang="fr-FR" smtClean="0"/>
               <a:pPr/>
-              <a:t>23/03/2024</a:t>
+              <a:t>25/03/2024</a:t>
             </a:fld>
             <a:endParaRPr lang="fr-BE"/>
           </a:p>
@@ -2252,7 +2252,7 @@
             <a:fld id="{AA309A6D-C09C-4548-B29A-6CF363A7E532}" type="datetimeFigureOut">
               <a:rPr lang="fr-FR" smtClean="0"/>
               <a:pPr/>
-              <a:t>23/03/2024</a:t>
+              <a:t>25/03/2024</a:t>
             </a:fld>
             <a:endParaRPr lang="fr-BE"/>
           </a:p>
@@ -2502,7 +2502,7 @@
             <a:fld id="{AA309A6D-C09C-4548-B29A-6CF363A7E532}" type="datetimeFigureOut">
               <a:rPr lang="fr-FR" smtClean="0"/>
               <a:pPr/>
-              <a:t>23/03/2024</a:t>
+              <a:t>25/03/2024</a:t>
             </a:fld>
             <a:endParaRPr lang="fr-BE"/>
           </a:p>
@@ -2712,7 +2712,7 @@
             <a:fld id="{AA309A6D-C09C-4548-B29A-6CF363A7E532}" type="datetimeFigureOut">
               <a:rPr lang="fr-FR" smtClean="0"/>
               <a:pPr/>
-              <a:t>23/03/2024</a:t>
+              <a:t>25/03/2024</a:t>
             </a:fld>
             <a:endParaRPr lang="fr-BE"/>
           </a:p>
@@ -9240,15 +9240,7 @@
             </a:r>
             <a:r>
               <a:rPr lang="fr-FR" dirty="0" smtClean="0"/>
-              <a:t> </a:t>
-            </a:r>
-            <a:r>
-              <a:rPr lang="fr-FR" dirty="0" smtClean="0"/>
-              <a:t>: </a:t>
-            </a:r>
-            <a:r>
-              <a:rPr lang="fr-FR" dirty="0" smtClean="0"/>
-              <a:t>88 33 </a:t>
+              <a:t> : 88 33 </a:t>
             </a:r>
             <a:r>
               <a:rPr lang="fr-FR" dirty="0" smtClean="0">
@@ -10606,15 +10598,7 @@
             </a:r>
             <a:r>
               <a:rPr lang="fr-FR" sz="1400" dirty="0" smtClean="0"/>
-              <a:t>=0x00</a:t>
-            </a:r>
-            <a:r>
-              <a:rPr lang="fr-FR" sz="1400" dirty="0" smtClean="0"/>
-              <a:t>, default palette, max </a:t>
-            </a:r>
-            <a:r>
-              <a:rPr lang="fr-FR" sz="1400" dirty="0" smtClean="0"/>
-              <a:t>printing </a:t>
+              <a:t>=0x00, default palette, max printing </a:t>
             </a:r>
             <a:r>
               <a:rPr lang="fr-FR" sz="1400" dirty="0" err="1" smtClean="0"/>
@@ -11014,15 +10998,7 @@
             </a:r>
             <a:r>
               <a:rPr lang="fr-FR" sz="1400" dirty="0" smtClean="0"/>
-              <a:t>=0x03, </a:t>
-            </a:r>
-            <a:r>
-              <a:rPr lang="fr-FR" sz="1400" dirty="0" smtClean="0"/>
-              <a:t>default palette, max </a:t>
-            </a:r>
-            <a:r>
-              <a:rPr lang="fr-FR" sz="1400" dirty="0" smtClean="0"/>
-              <a:t>printing </a:t>
+              <a:t>=0x03, default palette, max printing </a:t>
             </a:r>
             <a:r>
               <a:rPr lang="fr-FR" sz="1400" dirty="0" err="1" smtClean="0"/>
@@ -11141,7 +11117,6 @@
               <a:rPr lang="fr-FR" sz="1400" dirty="0" smtClean="0"/>
               <a:t> of DATA 0x0280</a:t>
             </a:r>
-            <a:endParaRPr lang="fr-FR" sz="1400" dirty="0" smtClean="0"/>
           </a:p>
         </p:txBody>
       </p:sp>
@@ -11213,7 +11188,6 @@
               <a:rPr lang="fr-FR" sz="1400" dirty="0" smtClean="0"/>
               <a:t> of DATA 0x0000</a:t>
             </a:r>
-            <a:endParaRPr lang="fr-FR" sz="1400" dirty="0" smtClean="0"/>
           </a:p>
         </p:txBody>
       </p:sp>
@@ -11285,7 +11259,6 @@
               <a:rPr lang="fr-FR" sz="1400" dirty="0" smtClean="0"/>
               <a:t> of DATA 0x0004</a:t>
             </a:r>
-            <a:endParaRPr lang="fr-FR" sz="1400" dirty="0" smtClean="0"/>
           </a:p>
         </p:txBody>
       </p:sp>
@@ -11353,7 +11326,6 @@
               <a:rPr lang="fr-FR" sz="1400" dirty="0" smtClean="0"/>
               <a:t>No compression</a:t>
             </a:r>
-            <a:endParaRPr lang="fr-FR" sz="1400" dirty="0" smtClean="0"/>
           </a:p>
         </p:txBody>
       </p:sp>
@@ -11389,6 +11361,30 @@
           <a:chExt cx="0" cy="0"/>
         </a:xfrm>
       </p:grpSpPr>
+      <p:pic>
+        <p:nvPicPr>
+          <p:cNvPr id="4" name="Image 3"/>
+          <p:cNvPicPr>
+            <a:picLocks noChangeAspect="1"/>
+          </p:cNvPicPr>
+          <p:nvPr/>
+        </p:nvPicPr>
+        <p:blipFill>
+          <a:blip r:embed="rId2"/>
+          <a:stretch>
+            <a:fillRect/>
+          </a:stretch>
+        </p:blipFill>
+        <p:spPr>
+          <a:xfrm>
+            <a:off x="2339752" y="557972"/>
+            <a:ext cx="2232247" cy="1810899"/>
+          </a:xfrm>
+          <a:prstGeom prst="rect">
+            <a:avLst/>
+          </a:prstGeom>
+        </p:spPr>
+      </p:pic>
       <p:sp>
         <p:nvSpPr>
           <p:cNvPr id="1026" name="AutoShape 2" descr="GNU Octave, Gnu, Matlab PNG - GNU Octave, Gnu, Matlab transparentes | PNG  gratuit"/>
@@ -11419,32 +11415,6 @@
           </a:p>
         </p:txBody>
       </p:sp>
-      <p:pic>
-        <p:nvPicPr>
-          <p:cNvPr id="1028" name="Picture 4" descr="GNU Octave, Gnu, Matlab PNG - GNU Octave, Gnu, Matlab transparentes | PNG  gratuit"/>
-          <p:cNvPicPr>
-            <a:picLocks noChangeAspect="1" noChangeArrowheads="1"/>
-          </p:cNvPicPr>
-          <p:nvPr/>
-        </p:nvPicPr>
-        <p:blipFill>
-          <a:blip r:embed="rId2" cstate="print"/>
-          <a:srcRect/>
-          <a:stretch>
-            <a:fillRect/>
-          </a:stretch>
-        </p:blipFill>
-        <p:spPr bwMode="auto">
-          <a:xfrm>
-            <a:off x="2123728" y="692696"/>
-            <a:ext cx="2592288" cy="1728192"/>
-          </a:xfrm>
-          <a:prstGeom prst="rect">
-            <a:avLst/>
-          </a:prstGeom>
-          <a:noFill/>
-        </p:spPr>
-      </p:pic>
       <p:pic>
         <p:nvPicPr>
           <p:cNvPr id="1029" name="Picture 5" descr="C:\Users\BOICHOT\Desktop\SD_GB_Printer6\GBCAM.png"/>
@@ -11473,7 +11443,7 @@
       </p:pic>
       <p:pic>
         <p:nvPicPr>
-          <p:cNvPr id="1030" name="Picture 6" descr="C:\Users\BOICHOT\Desktop\SD_GB_Printer6\unnamed.jpg"/>
+          <p:cNvPr id="1032" name="Picture 8" descr="Fichier:Game Boy Printer.png — Wikipédia"/>
           <p:cNvPicPr>
             <a:picLocks noChangeAspect="1" noChangeArrowheads="1"/>
           </p:cNvPicPr>
@@ -11488,8 +11458,8 @@
         </p:blipFill>
         <p:spPr bwMode="auto">
           <a:xfrm>
-            <a:off x="4788024" y="548680"/>
-            <a:ext cx="1978720" cy="1978720"/>
+            <a:off x="7380312" y="476672"/>
+            <a:ext cx="1741539" cy="2404917"/>
           </a:xfrm>
           <a:prstGeom prst="rect">
             <a:avLst/>
@@ -11499,7 +11469,7 @@
       </p:pic>
       <p:pic>
         <p:nvPicPr>
-          <p:cNvPr id="1032" name="Picture 8" descr="Fichier:Game Boy Printer.png — Wikipédia"/>
+          <p:cNvPr id="1033" name="Picture 9"/>
           <p:cNvPicPr>
             <a:picLocks noChangeAspect="1" noChangeArrowheads="1"/>
           </p:cNvPicPr>
@@ -11514,18 +11484,144 @@
         </p:blipFill>
         <p:spPr bwMode="auto">
           <a:xfrm>
-            <a:off x="7380312" y="476672"/>
-            <a:ext cx="1741539" cy="2404917"/>
+            <a:off x="2339752" y="3212976"/>
+            <a:ext cx="2133972" cy="1367931"/>
           </a:xfrm>
           <a:prstGeom prst="rect">
             <a:avLst/>
           </a:prstGeom>
           <a:noFill/>
+          <a:ln w="9525">
+            <a:noFill/>
+            <a:miter lim="800000"/>
+            <a:headEnd/>
+            <a:tailEnd/>
+          </a:ln>
         </p:spPr>
       </p:pic>
+      <p:sp>
+        <p:nvSpPr>
+          <p:cNvPr id="11" name="Flèche droite 10"/>
+          <p:cNvSpPr/>
+          <p:nvPr/>
+        </p:nvSpPr>
+        <p:spPr>
+          <a:xfrm>
+            <a:off x="1907704" y="1196752"/>
+            <a:ext cx="576064" cy="360040"/>
+          </a:xfrm>
+          <a:prstGeom prst="rightArrow">
+            <a:avLst/>
+          </a:prstGeom>
+        </p:spPr>
+        <p:style>
+          <a:lnRef idx="2">
+            <a:schemeClr val="accent1">
+              <a:shade val="50000"/>
+            </a:schemeClr>
+          </a:lnRef>
+          <a:fillRef idx="1">
+            <a:schemeClr val="accent1"/>
+          </a:fillRef>
+          <a:effectRef idx="0">
+            <a:schemeClr val="accent1"/>
+          </a:effectRef>
+          <a:fontRef idx="minor">
+            <a:schemeClr val="lt1"/>
+          </a:fontRef>
+        </p:style>
+        <p:txBody>
+          <a:bodyPr rtlCol="0" anchor="ctr"/>
+          <a:lstStyle/>
+          <a:p>
+            <a:pPr algn="ctr"/>
+            <a:endParaRPr lang="fr-FR"/>
+          </a:p>
+        </p:txBody>
+      </p:sp>
+      <p:sp>
+        <p:nvSpPr>
+          <p:cNvPr id="12" name="Flèche droite 11"/>
+          <p:cNvSpPr/>
+          <p:nvPr/>
+        </p:nvSpPr>
+        <p:spPr>
+          <a:xfrm rot="5400000">
+            <a:off x="3095836" y="2600908"/>
+            <a:ext cx="576064" cy="360040"/>
+          </a:xfrm>
+          <a:prstGeom prst="rightArrow">
+            <a:avLst/>
+          </a:prstGeom>
+        </p:spPr>
+        <p:style>
+          <a:lnRef idx="2">
+            <a:schemeClr val="accent1">
+              <a:shade val="50000"/>
+            </a:schemeClr>
+          </a:lnRef>
+          <a:fillRef idx="1">
+            <a:schemeClr val="accent1"/>
+          </a:fillRef>
+          <a:effectRef idx="0">
+            <a:schemeClr val="accent1"/>
+          </a:effectRef>
+          <a:fontRef idx="minor">
+            <a:schemeClr val="lt1"/>
+          </a:fontRef>
+        </p:style>
+        <p:txBody>
+          <a:bodyPr rtlCol="0" anchor="ctr"/>
+          <a:lstStyle/>
+          <a:p>
+            <a:pPr algn="ctr"/>
+            <a:endParaRPr lang="fr-FR"/>
+          </a:p>
+        </p:txBody>
+      </p:sp>
+      <p:sp>
+        <p:nvSpPr>
+          <p:cNvPr id="13" name="Flèche droite 12"/>
+          <p:cNvSpPr/>
+          <p:nvPr/>
+        </p:nvSpPr>
+        <p:spPr>
+          <a:xfrm>
+            <a:off x="4572000" y="3717032"/>
+            <a:ext cx="576064" cy="360040"/>
+          </a:xfrm>
+          <a:prstGeom prst="rightArrow">
+            <a:avLst/>
+          </a:prstGeom>
+        </p:spPr>
+        <p:style>
+          <a:lnRef idx="2">
+            <a:schemeClr val="accent1">
+              <a:shade val="50000"/>
+            </a:schemeClr>
+          </a:lnRef>
+          <a:fillRef idx="1">
+            <a:schemeClr val="accent1"/>
+          </a:fillRef>
+          <a:effectRef idx="0">
+            <a:schemeClr val="accent1"/>
+          </a:effectRef>
+          <a:fontRef idx="minor">
+            <a:schemeClr val="lt1"/>
+          </a:fontRef>
+        </p:style>
+        <p:txBody>
+          <a:bodyPr rtlCol="0" anchor="ctr"/>
+          <a:lstStyle/>
+          <a:p>
+            <a:pPr algn="ctr"/>
+            <a:endParaRPr lang="fr-FR"/>
+          </a:p>
+        </p:txBody>
+      </p:sp>
       <p:pic>
         <p:nvPicPr>
-          <p:cNvPr id="1033" name="Picture 9"/>
+          <p:cNvPr id="1035" name="Picture 11" descr="Carte Mémoire microSDHC SanDisk Ultra 32 Go Classe 10 pour Android avec  Vitesse de lecture Allant jusqu'à 80 Mo/s + Adaptateur SD: Amazon.fr:  Informatique"/>
           <p:cNvPicPr>
             <a:picLocks noChangeAspect="1" noChangeArrowheads="1"/>
           </p:cNvPicPr>
@@ -11540,30 +11636,24 @@
         </p:blipFill>
         <p:spPr bwMode="auto">
           <a:xfrm>
-            <a:off x="2339752" y="3212976"/>
-            <a:ext cx="2133972" cy="1367931"/>
+            <a:off x="5508104" y="3284984"/>
+            <a:ext cx="1317526" cy="1317526"/>
           </a:xfrm>
           <a:prstGeom prst="rect">
             <a:avLst/>
           </a:prstGeom>
           <a:noFill/>
-          <a:ln w="9525">
-            <a:noFill/>
-            <a:miter lim="800000"/>
-            <a:headEnd/>
-            <a:tailEnd/>
-          </a:ln>
         </p:spPr>
       </p:pic>
       <p:sp>
         <p:nvSpPr>
-          <p:cNvPr id="11" name="Flèche droite 10"/>
+          <p:cNvPr id="15" name="Flèche droite 14"/>
           <p:cNvSpPr/>
           <p:nvPr/>
         </p:nvSpPr>
         <p:spPr>
           <a:xfrm>
-            <a:off x="1907704" y="1196752"/>
+            <a:off x="6804248" y="1196752"/>
             <a:ext cx="576064" cy="360040"/>
           </a:xfrm>
           <a:prstGeom prst="rightArrow">
@@ -11597,13 +11687,13 @@
       </p:sp>
       <p:sp>
         <p:nvSpPr>
-          <p:cNvPr id="12" name="Flèche droite 11"/>
+          <p:cNvPr id="16" name="Flèche droite 15"/>
           <p:cNvSpPr/>
           <p:nvPr/>
         </p:nvSpPr>
         <p:spPr>
-          <a:xfrm rot="5400000">
-            <a:off x="3095836" y="2600908"/>
+          <a:xfrm rot="16200000">
+            <a:off x="5688124" y="2600908"/>
             <a:ext cx="576064" cy="360040"/>
           </a:xfrm>
           <a:prstGeom prst="rightArrow">
@@ -11637,47 +11727,249 @@
       </p:sp>
       <p:sp>
         <p:nvSpPr>
-          <p:cNvPr id="13" name="Flèche droite 12"/>
-          <p:cNvSpPr/>
-          <p:nvPr/>
-        </p:nvSpPr>
-        <p:spPr>
-          <a:xfrm>
-            <a:off x="4572000" y="3717032"/>
-            <a:ext cx="576064" cy="360040"/>
-          </a:xfrm>
-          <a:prstGeom prst="rightArrow">
-            <a:avLst/>
-          </a:prstGeom>
-        </p:spPr>
-        <p:style>
-          <a:lnRef idx="2">
-            <a:schemeClr val="accent1">
-              <a:shade val="50000"/>
-            </a:schemeClr>
-          </a:lnRef>
-          <a:fillRef idx="1">
-            <a:schemeClr val="accent1"/>
-          </a:fillRef>
-          <a:effectRef idx="0">
-            <a:schemeClr val="accent1"/>
-          </a:effectRef>
-          <a:fontRef idx="minor">
-            <a:schemeClr val="lt1"/>
-          </a:fontRef>
-        </p:style>
-        <p:txBody>
-          <a:bodyPr rtlCol="0" anchor="ctr"/>
+          <p:cNvPr id="17" name="ZoneTexte 16"/>
+          <p:cNvSpPr txBox="1"/>
+          <p:nvPr/>
+        </p:nvSpPr>
+        <p:spPr>
+          <a:xfrm>
+            <a:off x="251520" y="116632"/>
+            <a:ext cx="1368152" cy="369332"/>
+          </a:xfrm>
+          <a:prstGeom prst="rect">
+            <a:avLst/>
+          </a:prstGeom>
+          <a:noFill/>
+        </p:spPr>
+        <p:txBody>
+          <a:bodyPr wrap="square" rtlCol="0">
+            <a:spAutoFit/>
+          </a:bodyPr>
+          <a:lstStyle/>
+          <a:p>
+            <a:r>
+              <a:rPr lang="fr-FR" dirty="0" err="1" smtClean="0"/>
+              <a:t>Your</a:t>
+            </a:r>
+            <a:r>
+              <a:rPr lang="fr-FR" dirty="0" smtClean="0"/>
+              <a:t> images</a:t>
+            </a:r>
+            <a:endParaRPr lang="fr-FR" dirty="0"/>
+          </a:p>
+        </p:txBody>
+      </p:sp>
+      <p:sp>
+        <p:nvSpPr>
+          <p:cNvPr id="18" name="ZoneTexte 17"/>
+          <p:cNvSpPr txBox="1"/>
+          <p:nvPr/>
+        </p:nvSpPr>
+        <p:spPr>
+          <a:xfrm>
+            <a:off x="2555776" y="116632"/>
+            <a:ext cx="2232248" cy="369332"/>
+          </a:xfrm>
+          <a:prstGeom prst="rect">
+            <a:avLst/>
+          </a:prstGeom>
+          <a:noFill/>
+        </p:spPr>
+        <p:txBody>
+          <a:bodyPr wrap="square" rtlCol="0">
+            <a:spAutoFit/>
+          </a:bodyPr>
+          <a:lstStyle/>
+          <a:p>
+            <a:r>
+              <a:rPr lang="fr-FR" dirty="0" smtClean="0"/>
+              <a:t>Octave encoder</a:t>
+            </a:r>
+            <a:endParaRPr lang="fr-FR" dirty="0"/>
+          </a:p>
+        </p:txBody>
+      </p:sp>
+      <p:sp>
+        <p:nvSpPr>
+          <p:cNvPr id="19" name="ZoneTexte 18"/>
+          <p:cNvSpPr txBox="1"/>
+          <p:nvPr/>
+        </p:nvSpPr>
+        <p:spPr>
+          <a:xfrm>
+            <a:off x="2123728" y="4653136"/>
+            <a:ext cx="2880320" cy="369332"/>
+          </a:xfrm>
+          <a:prstGeom prst="rect">
+            <a:avLst/>
+          </a:prstGeom>
+          <a:noFill/>
+        </p:spPr>
+        <p:txBody>
+          <a:bodyPr wrap="square" rtlCol="0">
+            <a:spAutoFit/>
+          </a:bodyPr>
+          <a:lstStyle/>
+          <a:p>
+            <a:r>
+              <a:rPr lang="fr-FR" dirty="0" smtClean="0"/>
+              <a:t>Game Boy data </a:t>
+            </a:r>
+            <a:r>
+              <a:rPr lang="fr-FR" dirty="0" err="1" smtClean="0"/>
+              <a:t>tile</a:t>
+            </a:r>
+            <a:r>
+              <a:rPr lang="fr-FR" dirty="0" smtClean="0"/>
+              <a:t> format</a:t>
+            </a:r>
+          </a:p>
+        </p:txBody>
+      </p:sp>
+      <p:sp>
+        <p:nvSpPr>
+          <p:cNvPr id="20" name="ZoneTexte 19"/>
+          <p:cNvSpPr txBox="1"/>
+          <p:nvPr/>
+        </p:nvSpPr>
+        <p:spPr>
+          <a:xfrm>
+            <a:off x="5292080" y="4643844"/>
+            <a:ext cx="1296144" cy="369332"/>
+          </a:xfrm>
+          <a:prstGeom prst="rect">
+            <a:avLst/>
+          </a:prstGeom>
+          <a:noFill/>
+        </p:spPr>
+        <p:txBody>
+          <a:bodyPr wrap="square" rtlCol="0">
+            <a:spAutoFit/>
+          </a:bodyPr>
           <a:lstStyle/>
           <a:p>
             <a:pPr algn="ctr"/>
-            <a:endParaRPr lang="fr-FR"/>
+            <a:r>
+              <a:rPr lang="fr-FR" dirty="0" smtClean="0"/>
+              <a:t>SD </a:t>
+            </a:r>
+            <a:r>
+              <a:rPr lang="fr-FR" dirty="0" err="1" smtClean="0"/>
+              <a:t>Card</a:t>
+            </a:r>
+            <a:endParaRPr lang="fr-FR" dirty="0"/>
+          </a:p>
+        </p:txBody>
+      </p:sp>
+      <p:sp>
+        <p:nvSpPr>
+          <p:cNvPr id="21" name="ZoneTexte 20"/>
+          <p:cNvSpPr txBox="1"/>
+          <p:nvPr/>
+        </p:nvSpPr>
+        <p:spPr>
+          <a:xfrm>
+            <a:off x="5364088" y="116632"/>
+            <a:ext cx="1080120" cy="369332"/>
+          </a:xfrm>
+          <a:prstGeom prst="rect">
+            <a:avLst/>
+          </a:prstGeom>
+          <a:noFill/>
+        </p:spPr>
+        <p:txBody>
+          <a:bodyPr wrap="square" rtlCol="0">
+            <a:spAutoFit/>
+          </a:bodyPr>
+          <a:lstStyle/>
+          <a:p>
+            <a:r>
+              <a:rPr lang="fr-FR" dirty="0" err="1" smtClean="0"/>
+              <a:t>Arduino</a:t>
+            </a:r>
+            <a:endParaRPr lang="fr-FR" dirty="0"/>
+          </a:p>
+        </p:txBody>
+      </p:sp>
+      <p:sp>
+        <p:nvSpPr>
+          <p:cNvPr id="22" name="ZoneTexte 21"/>
+          <p:cNvSpPr txBox="1"/>
+          <p:nvPr/>
+        </p:nvSpPr>
+        <p:spPr>
+          <a:xfrm>
+            <a:off x="7308304" y="2924944"/>
+            <a:ext cx="1836712" cy="369332"/>
+          </a:xfrm>
+          <a:prstGeom prst="rect">
+            <a:avLst/>
+          </a:prstGeom>
+          <a:noFill/>
+        </p:spPr>
+        <p:txBody>
+          <a:bodyPr wrap="square" rtlCol="0">
+            <a:spAutoFit/>
+          </a:bodyPr>
+          <a:lstStyle/>
+          <a:p>
+            <a:r>
+              <a:rPr lang="fr-FR" dirty="0" smtClean="0"/>
+              <a:t>Game boy printer</a:t>
+            </a:r>
+            <a:endParaRPr lang="fr-FR" dirty="0"/>
+          </a:p>
+        </p:txBody>
+      </p:sp>
+      <p:sp>
+        <p:nvSpPr>
+          <p:cNvPr id="23" name="ZoneTexte 22"/>
+          <p:cNvSpPr txBox="1"/>
+          <p:nvPr/>
+        </p:nvSpPr>
+        <p:spPr>
+          <a:xfrm>
+            <a:off x="0" y="4518412"/>
+            <a:ext cx="1944216" cy="646331"/>
+          </a:xfrm>
+          <a:prstGeom prst="rect">
+            <a:avLst/>
+          </a:prstGeom>
+          <a:noFill/>
+        </p:spPr>
+        <p:txBody>
+          <a:bodyPr wrap="square" rtlCol="0">
+            <a:spAutoFit/>
+          </a:bodyPr>
+          <a:lstStyle/>
+          <a:p>
+            <a:pPr algn="ctr"/>
+            <a:r>
+              <a:rPr lang="fr-FR" dirty="0" smtClean="0"/>
+              <a:t>160x(16*X) pixels</a:t>
+            </a:r>
+          </a:p>
+          <a:p>
+            <a:pPr algn="ctr"/>
+            <a:r>
+              <a:rPr lang="fr-FR" dirty="0" smtClean="0"/>
+              <a:t>4 </a:t>
+            </a:r>
+            <a:r>
+              <a:rPr lang="fr-FR" dirty="0" err="1" smtClean="0"/>
+              <a:t>shades</a:t>
+            </a:r>
+            <a:r>
+              <a:rPr lang="fr-FR" dirty="0" smtClean="0"/>
+              <a:t> of gray</a:t>
+            </a:r>
+            <a:endParaRPr lang="fr-FR" dirty="0"/>
           </a:p>
         </p:txBody>
       </p:sp>
       <p:pic>
         <p:nvPicPr>
-          <p:cNvPr id="1035" name="Picture 11" descr="Carte Mémoire microSDHC SanDisk Ultra 32 Go Classe 10 pour Android avec  Vitesse de lecture Allant jusqu'à 80 Mo/s + Adaptateur SD: Amazon.fr:  Informatique"/>
+          <p:cNvPr id="2" name="Picture 2" descr="K:\Personnel\Photos et videos\Game Boy Printer\Game Boy Printer injector\SD_GB_Printer7\Image_converter_3\Images\GB.png"/>
           <p:cNvPicPr>
             <a:picLocks noChangeAspect="1" noChangeArrowheads="1"/>
           </p:cNvPicPr>
@@ -11692,8 +11984,8 @@
         </p:blipFill>
         <p:spPr bwMode="auto">
           <a:xfrm>
-            <a:off x="5508104" y="3284984"/>
-            <a:ext cx="1317526" cy="1317526"/>
+            <a:off x="179512" y="1998132"/>
+            <a:ext cx="1524000" cy="2438400"/>
           </a:xfrm>
           <a:prstGeom prst="rect">
             <a:avLst/>
@@ -11701,350 +11993,22 @@
           <a:noFill/>
         </p:spPr>
       </p:pic>
-      <p:sp>
-        <p:nvSpPr>
-          <p:cNvPr id="15" name="Flèche droite 14"/>
-          <p:cNvSpPr/>
-          <p:nvPr/>
-        </p:nvSpPr>
-        <p:spPr>
-          <a:xfrm>
-            <a:off x="6804248" y="1196752"/>
-            <a:ext cx="576064" cy="360040"/>
-          </a:xfrm>
-          <a:prstGeom prst="rightArrow">
-            <a:avLst/>
-          </a:prstGeom>
-        </p:spPr>
-        <p:style>
-          <a:lnRef idx="2">
-            <a:schemeClr val="accent1">
-              <a:shade val="50000"/>
-            </a:schemeClr>
-          </a:lnRef>
-          <a:fillRef idx="1">
-            <a:schemeClr val="accent1"/>
-          </a:fillRef>
-          <a:effectRef idx="0">
-            <a:schemeClr val="accent1"/>
-          </a:effectRef>
-          <a:fontRef idx="minor">
-            <a:schemeClr val="lt1"/>
-          </a:fontRef>
-        </p:style>
-        <p:txBody>
-          <a:bodyPr rtlCol="0" anchor="ctr"/>
-          <a:lstStyle/>
-          <a:p>
-            <a:pPr algn="ctr"/>
-            <a:endParaRPr lang="fr-FR"/>
-          </a:p>
-        </p:txBody>
-      </p:sp>
-      <p:sp>
-        <p:nvSpPr>
-          <p:cNvPr id="16" name="Flèche droite 15"/>
-          <p:cNvSpPr/>
-          <p:nvPr/>
-        </p:nvSpPr>
-        <p:spPr>
-          <a:xfrm rot="16200000">
-            <a:off x="5688124" y="2600908"/>
-            <a:ext cx="576064" cy="360040"/>
-          </a:xfrm>
-          <a:prstGeom prst="rightArrow">
-            <a:avLst/>
-          </a:prstGeom>
-        </p:spPr>
-        <p:style>
-          <a:lnRef idx="2">
-            <a:schemeClr val="accent1">
-              <a:shade val="50000"/>
-            </a:schemeClr>
-          </a:lnRef>
-          <a:fillRef idx="1">
-            <a:schemeClr val="accent1"/>
-          </a:fillRef>
-          <a:effectRef idx="0">
-            <a:schemeClr val="accent1"/>
-          </a:effectRef>
-          <a:fontRef idx="minor">
-            <a:schemeClr val="lt1"/>
-          </a:fontRef>
-        </p:style>
-        <p:txBody>
-          <a:bodyPr rtlCol="0" anchor="ctr"/>
-          <a:lstStyle/>
-          <a:p>
-            <a:pPr algn="ctr"/>
-            <a:endParaRPr lang="fr-FR"/>
-          </a:p>
-        </p:txBody>
-      </p:sp>
-      <p:sp>
-        <p:nvSpPr>
-          <p:cNvPr id="17" name="ZoneTexte 16"/>
-          <p:cNvSpPr txBox="1"/>
-          <p:nvPr/>
-        </p:nvSpPr>
-        <p:spPr>
-          <a:xfrm>
-            <a:off x="251520" y="116632"/>
-            <a:ext cx="1368152" cy="369332"/>
-          </a:xfrm>
-          <a:prstGeom prst="rect">
-            <a:avLst/>
-          </a:prstGeom>
-          <a:noFill/>
-        </p:spPr>
-        <p:txBody>
-          <a:bodyPr wrap="square" rtlCol="0">
-            <a:spAutoFit/>
-          </a:bodyPr>
-          <a:lstStyle/>
-          <a:p>
-            <a:r>
-              <a:rPr lang="fr-FR" dirty="0" err="1" smtClean="0"/>
-              <a:t>Your</a:t>
-            </a:r>
-            <a:r>
-              <a:rPr lang="fr-FR" dirty="0" smtClean="0"/>
-              <a:t> images</a:t>
-            </a:r>
-            <a:endParaRPr lang="fr-FR" dirty="0"/>
-          </a:p>
-        </p:txBody>
-      </p:sp>
-      <p:sp>
-        <p:nvSpPr>
-          <p:cNvPr id="18" name="ZoneTexte 17"/>
-          <p:cNvSpPr txBox="1"/>
-          <p:nvPr/>
-        </p:nvSpPr>
-        <p:spPr>
-          <a:xfrm>
-            <a:off x="2555776" y="260648"/>
-            <a:ext cx="2232248" cy="369332"/>
-          </a:xfrm>
-          <a:prstGeom prst="rect">
-            <a:avLst/>
-          </a:prstGeom>
-          <a:noFill/>
-        </p:spPr>
-        <p:txBody>
-          <a:bodyPr wrap="square" rtlCol="0">
-            <a:spAutoFit/>
-          </a:bodyPr>
-          <a:lstStyle/>
-          <a:p>
-            <a:r>
-              <a:rPr lang="fr-FR" dirty="0" smtClean="0"/>
-              <a:t>Octave encoder</a:t>
-            </a:r>
-            <a:endParaRPr lang="fr-FR" dirty="0"/>
-          </a:p>
-        </p:txBody>
-      </p:sp>
-      <p:sp>
-        <p:nvSpPr>
-          <p:cNvPr id="19" name="ZoneTexte 18"/>
-          <p:cNvSpPr txBox="1"/>
-          <p:nvPr/>
-        </p:nvSpPr>
-        <p:spPr>
-          <a:xfrm>
-            <a:off x="2123728" y="4653136"/>
-            <a:ext cx="2880320" cy="369332"/>
-          </a:xfrm>
-          <a:prstGeom prst="rect">
-            <a:avLst/>
-          </a:prstGeom>
-          <a:noFill/>
-        </p:spPr>
-        <p:txBody>
-          <a:bodyPr wrap="square" rtlCol="0">
-            <a:spAutoFit/>
-          </a:bodyPr>
-          <a:lstStyle/>
-          <a:p>
-            <a:r>
-              <a:rPr lang="fr-FR" dirty="0" smtClean="0"/>
-              <a:t>Game Boy data </a:t>
-            </a:r>
-            <a:r>
-              <a:rPr lang="fr-FR" dirty="0" err="1" smtClean="0"/>
-              <a:t>tile</a:t>
-            </a:r>
-            <a:r>
-              <a:rPr lang="fr-FR" dirty="0" smtClean="0"/>
-              <a:t> format</a:t>
-            </a:r>
-          </a:p>
-        </p:txBody>
-      </p:sp>
-      <p:sp>
-        <p:nvSpPr>
-          <p:cNvPr id="20" name="ZoneTexte 19"/>
-          <p:cNvSpPr txBox="1"/>
-          <p:nvPr/>
-        </p:nvSpPr>
-        <p:spPr>
-          <a:xfrm>
-            <a:off x="4499992" y="4643844"/>
-            <a:ext cx="2808312" cy="369332"/>
-          </a:xfrm>
-          <a:prstGeom prst="rect">
-            <a:avLst/>
-          </a:prstGeom>
-          <a:noFill/>
-        </p:spPr>
-        <p:txBody>
-          <a:bodyPr wrap="square" rtlCol="0">
-            <a:spAutoFit/>
-          </a:bodyPr>
-          <a:lstStyle/>
-          <a:p>
-            <a:pPr algn="ctr"/>
-            <a:r>
-              <a:rPr lang="fr-FR" dirty="0" smtClean="0"/>
-              <a:t>SD </a:t>
-            </a:r>
-            <a:r>
-              <a:rPr lang="fr-FR" dirty="0" err="1" smtClean="0"/>
-              <a:t>Card</a:t>
-            </a:r>
-            <a:r>
-              <a:rPr lang="fr-FR" dirty="0" smtClean="0"/>
-              <a:t> FAT 32</a:t>
-            </a:r>
-            <a:endParaRPr lang="fr-FR" dirty="0"/>
-          </a:p>
-        </p:txBody>
-      </p:sp>
-      <p:sp>
-        <p:nvSpPr>
-          <p:cNvPr id="21" name="ZoneTexte 20"/>
-          <p:cNvSpPr txBox="1"/>
-          <p:nvPr/>
-        </p:nvSpPr>
-        <p:spPr>
-          <a:xfrm>
-            <a:off x="4932040" y="260648"/>
-            <a:ext cx="1944216" cy="369332"/>
-          </a:xfrm>
-          <a:prstGeom prst="rect">
-            <a:avLst/>
-          </a:prstGeom>
-          <a:noFill/>
-        </p:spPr>
-        <p:txBody>
-          <a:bodyPr wrap="square" rtlCol="0">
-            <a:spAutoFit/>
-          </a:bodyPr>
-          <a:lstStyle/>
-          <a:p>
-            <a:r>
-              <a:rPr lang="fr-FR" dirty="0" err="1" smtClean="0"/>
-              <a:t>Arduino</a:t>
-            </a:r>
-            <a:r>
-              <a:rPr lang="fr-FR" dirty="0" smtClean="0"/>
-              <a:t> SD </a:t>
-            </a:r>
-            <a:r>
-              <a:rPr lang="fr-FR" dirty="0" err="1" smtClean="0"/>
-              <a:t>shield</a:t>
-            </a:r>
-            <a:endParaRPr lang="fr-FR" dirty="0"/>
-          </a:p>
-        </p:txBody>
-      </p:sp>
-      <p:sp>
-        <p:nvSpPr>
-          <p:cNvPr id="22" name="ZoneTexte 21"/>
-          <p:cNvSpPr txBox="1"/>
-          <p:nvPr/>
-        </p:nvSpPr>
-        <p:spPr>
-          <a:xfrm>
-            <a:off x="7308304" y="2924944"/>
-            <a:ext cx="1836712" cy="369332"/>
-          </a:xfrm>
-          <a:prstGeom prst="rect">
-            <a:avLst/>
-          </a:prstGeom>
-          <a:noFill/>
-        </p:spPr>
-        <p:txBody>
-          <a:bodyPr wrap="square" rtlCol="0">
-            <a:spAutoFit/>
-          </a:bodyPr>
-          <a:lstStyle/>
-          <a:p>
-            <a:r>
-              <a:rPr lang="fr-FR" dirty="0" smtClean="0"/>
-              <a:t>Game boy printer</a:t>
-            </a:r>
-            <a:endParaRPr lang="fr-FR" dirty="0"/>
-          </a:p>
-        </p:txBody>
-      </p:sp>
-      <p:sp>
-        <p:nvSpPr>
-          <p:cNvPr id="23" name="ZoneTexte 22"/>
-          <p:cNvSpPr txBox="1"/>
-          <p:nvPr/>
-        </p:nvSpPr>
-        <p:spPr>
-          <a:xfrm>
-            <a:off x="0" y="4518412"/>
-            <a:ext cx="1944216" cy="646331"/>
-          </a:xfrm>
-          <a:prstGeom prst="rect">
-            <a:avLst/>
-          </a:prstGeom>
-          <a:noFill/>
-        </p:spPr>
-        <p:txBody>
-          <a:bodyPr wrap="square" rtlCol="0">
-            <a:spAutoFit/>
-          </a:bodyPr>
-          <a:lstStyle/>
-          <a:p>
-            <a:pPr algn="ctr"/>
-            <a:r>
-              <a:rPr lang="fr-FR" dirty="0" smtClean="0"/>
-              <a:t>160x(16*X) pixels</a:t>
-            </a:r>
-          </a:p>
-          <a:p>
-            <a:pPr algn="ctr"/>
-            <a:r>
-              <a:rPr lang="fr-FR" dirty="0" smtClean="0"/>
-              <a:t>4 </a:t>
-            </a:r>
-            <a:r>
-              <a:rPr lang="fr-FR" dirty="0" err="1" smtClean="0"/>
-              <a:t>shades</a:t>
-            </a:r>
-            <a:r>
-              <a:rPr lang="fr-FR" dirty="0" smtClean="0"/>
-              <a:t> of gray</a:t>
-            </a:r>
-            <a:endParaRPr lang="fr-FR" dirty="0"/>
-          </a:p>
-        </p:txBody>
-      </p:sp>
       <p:pic>
         <p:nvPicPr>
-          <p:cNvPr id="2" name="Picture 2" descr="K:\Personnel\Photos et videos\Game Boy Printer\Game Boy Printer injector\SD_GB_Printer7\Image_converter_3\Images\GB.png"/>
+          <p:cNvPr id="3" name="Picture 2" descr="L1: Turning on an LED - Physical Computing"/>
           <p:cNvPicPr>
             <a:picLocks noChangeAspect="1" noChangeArrowheads="1"/>
           </p:cNvPicPr>
           <p:nvPr/>
         </p:nvPicPr>
         <p:blipFill>
-          <a:blip r:embed="rId8" cstate="print"/>
+          <a:blip r:embed="rId8" cstate="print">
+            <a:extLst>
+              <a:ext uri="{28A0092B-C50C-407E-A947-70E740481C1C}">
+                <a14:useLocalDpi xmlns:a14="http://schemas.microsoft.com/office/drawing/2010/main" val="0"/>
+              </a:ext>
+            </a:extLst>
+          </a:blip>
           <a:srcRect/>
           <a:stretch>
             <a:fillRect/>
@@ -12052,13 +12016,22 @@
         </p:blipFill>
         <p:spPr bwMode="auto">
           <a:xfrm>
-            <a:off x="179512" y="1998132"/>
-            <a:ext cx="1524000" cy="2438400"/>
+            <a:off x="4572000" y="692695"/>
+            <a:ext cx="2175016" cy="1595953"/>
           </a:xfrm>
           <a:prstGeom prst="rect">
             <a:avLst/>
           </a:prstGeom>
           <a:noFill/>
+          <a:extLst>
+            <a:ext uri="{909E8E84-426E-40DD-AFC4-6F175D3DCCD1}">
+              <a14:hiddenFill xmlns:a14="http://schemas.microsoft.com/office/drawing/2010/main">
+                <a:solidFill>
+                  <a:srgbClr val="FFFFFF"/>
+                </a:solidFill>
+              </a14:hiddenFill>
+            </a:ext>
+          </a:extLst>
         </p:spPr>
       </p:pic>
     </p:spTree>

--- a/Illustrations/Pinout_2024.pptx
+++ b/Illustrations/Pinout_2024.pptx
@@ -14,6 +14,7 @@
     <p:sldId id="261" r:id="rId8"/>
     <p:sldId id="264" r:id="rId9"/>
     <p:sldId id="262" r:id="rId10"/>
+    <p:sldId id="266" r:id="rId11"/>
   </p:sldIdLst>
   <p:sldSz cx="9144000" cy="6858000" type="screen4x3"/>
   <p:notesSz cx="6858000" cy="9144000"/>
@@ -4862,6 +4863,434 @@
         </p:txBody>
       </p:sp>
     </p:spTree>
+  </p:cSld>
+  <p:clrMapOvr>
+    <a:masterClrMapping/>
+  </p:clrMapOvr>
+  <p:timing>
+    <p:tnLst>
+      <p:par>
+        <p:cTn id="1" dur="indefinite" restart="never" nodeType="tmRoot"/>
+      </p:par>
+    </p:tnLst>
+  </p:timing>
+</p:sld>
+</file>
+
+<file path=ppt/slides/slide10.xml><?xml version="1.0" encoding="utf-8"?>
+<p:sld xmlns:a="http://schemas.openxmlformats.org/drawingml/2006/main" xmlns:r="http://schemas.openxmlformats.org/officeDocument/2006/relationships" xmlns:p="http://schemas.openxmlformats.org/presentationml/2006/main">
+  <p:cSld>
+    <p:spTree>
+      <p:nvGrpSpPr>
+        <p:cNvPr id="1" name=""/>
+        <p:cNvGrpSpPr/>
+        <p:nvPr/>
+      </p:nvGrpSpPr>
+      <p:grpSpPr>
+        <a:xfrm>
+          <a:off x="0" y="0"/>
+          <a:ext cx="0" cy="0"/>
+          <a:chOff x="0" y="0"/>
+          <a:chExt cx="0" cy="0"/>
+        </a:xfrm>
+      </p:grpSpPr>
+      <p:pic>
+        <p:nvPicPr>
+          <p:cNvPr id="4" name="Image 3"/>
+          <p:cNvPicPr>
+            <a:picLocks noChangeAspect="1"/>
+          </p:cNvPicPr>
+          <p:nvPr/>
+        </p:nvPicPr>
+        <p:blipFill>
+          <a:blip r:embed="rId2"/>
+          <a:stretch>
+            <a:fillRect/>
+          </a:stretch>
+        </p:blipFill>
+        <p:spPr>
+          <a:xfrm>
+            <a:off x="2339753" y="557973"/>
+            <a:ext cx="2030080" cy="1646892"/>
+          </a:xfrm>
+          <a:prstGeom prst="rect">
+            <a:avLst/>
+          </a:prstGeom>
+        </p:spPr>
+      </p:pic>
+      <p:sp>
+        <p:nvSpPr>
+          <p:cNvPr id="1026" name="AutoShape 2" descr="GNU Octave, Gnu, Matlab PNG - GNU Octave, Gnu, Matlab transparentes | PNG  gratuit"/>
+          <p:cNvSpPr>
+            <a:spLocks noChangeAspect="1" noChangeArrowheads="1"/>
+          </p:cNvSpPr>
+          <p:nvPr/>
+        </p:nvSpPr>
+        <p:spPr bwMode="auto">
+          <a:xfrm>
+            <a:off x="155575" y="-822325"/>
+            <a:ext cx="2571750" cy="1714500"/>
+          </a:xfrm>
+          <a:prstGeom prst="rect">
+            <a:avLst/>
+          </a:prstGeom>
+          <a:noFill/>
+        </p:spPr>
+        <p:txBody>
+          <a:bodyPr vert="horz" wrap="square" lIns="91440" tIns="45720" rIns="91440" bIns="45720" numCol="1" anchor="t" anchorCtr="0" compatLnSpc="1">
+            <a:prstTxWarp prst="textNoShape">
+              <a:avLst/>
+            </a:prstTxWarp>
+          </a:bodyPr>
+          <a:lstStyle/>
+          <a:p>
+            <a:endParaRPr lang="fr-FR"/>
+          </a:p>
+        </p:txBody>
+      </p:sp>
+      <p:pic>
+        <p:nvPicPr>
+          <p:cNvPr id="1032" name="Picture 8" descr="Fichier:Game Boy Printer.png — Wikipédia"/>
+          <p:cNvPicPr>
+            <a:picLocks noChangeAspect="1" noChangeArrowheads="1"/>
+          </p:cNvPicPr>
+          <p:nvPr/>
+        </p:nvPicPr>
+        <p:blipFill>
+          <a:blip r:embed="rId3" cstate="print"/>
+          <a:srcRect/>
+          <a:stretch>
+            <a:fillRect/>
+          </a:stretch>
+        </p:blipFill>
+        <p:spPr bwMode="auto">
+          <a:xfrm>
+            <a:off x="7484603" y="476673"/>
+            <a:ext cx="1460063" cy="2016223"/>
+          </a:xfrm>
+          <a:prstGeom prst="rect">
+            <a:avLst/>
+          </a:prstGeom>
+          <a:noFill/>
+        </p:spPr>
+      </p:pic>
+      <p:sp>
+        <p:nvSpPr>
+          <p:cNvPr id="11" name="Flèche droite 10"/>
+          <p:cNvSpPr/>
+          <p:nvPr/>
+        </p:nvSpPr>
+        <p:spPr>
+          <a:xfrm>
+            <a:off x="1907704" y="1196752"/>
+            <a:ext cx="576064" cy="360040"/>
+          </a:xfrm>
+          <a:prstGeom prst="rightArrow">
+            <a:avLst/>
+          </a:prstGeom>
+        </p:spPr>
+        <p:style>
+          <a:lnRef idx="2">
+            <a:schemeClr val="accent1">
+              <a:shade val="50000"/>
+            </a:schemeClr>
+          </a:lnRef>
+          <a:fillRef idx="1">
+            <a:schemeClr val="accent1"/>
+          </a:fillRef>
+          <a:effectRef idx="0">
+            <a:schemeClr val="accent1"/>
+          </a:effectRef>
+          <a:fontRef idx="minor">
+            <a:schemeClr val="lt1"/>
+          </a:fontRef>
+        </p:style>
+        <p:txBody>
+          <a:bodyPr rtlCol="0" anchor="ctr"/>
+          <a:lstStyle/>
+          <a:p>
+            <a:pPr algn="ctr"/>
+            <a:endParaRPr lang="fr-FR"/>
+          </a:p>
+        </p:txBody>
+      </p:sp>
+      <p:sp>
+        <p:nvSpPr>
+          <p:cNvPr id="15" name="Flèche droite 14"/>
+          <p:cNvSpPr/>
+          <p:nvPr/>
+        </p:nvSpPr>
+        <p:spPr>
+          <a:xfrm>
+            <a:off x="6804248" y="1196752"/>
+            <a:ext cx="576064" cy="360040"/>
+          </a:xfrm>
+          <a:prstGeom prst="rightArrow">
+            <a:avLst/>
+          </a:prstGeom>
+        </p:spPr>
+        <p:style>
+          <a:lnRef idx="2">
+            <a:schemeClr val="accent1">
+              <a:shade val="50000"/>
+            </a:schemeClr>
+          </a:lnRef>
+          <a:fillRef idx="1">
+            <a:schemeClr val="accent1"/>
+          </a:fillRef>
+          <a:effectRef idx="0">
+            <a:schemeClr val="accent1"/>
+          </a:effectRef>
+          <a:fontRef idx="minor">
+            <a:schemeClr val="lt1"/>
+          </a:fontRef>
+        </p:style>
+        <p:txBody>
+          <a:bodyPr rtlCol="0" anchor="ctr"/>
+          <a:lstStyle/>
+          <a:p>
+            <a:pPr algn="ctr"/>
+            <a:endParaRPr lang="fr-FR"/>
+          </a:p>
+        </p:txBody>
+      </p:sp>
+      <p:sp>
+        <p:nvSpPr>
+          <p:cNvPr id="17" name="ZoneTexte 16"/>
+          <p:cNvSpPr txBox="1"/>
+          <p:nvPr/>
+        </p:nvSpPr>
+        <p:spPr>
+          <a:xfrm>
+            <a:off x="251520" y="116632"/>
+            <a:ext cx="1368152" cy="369332"/>
+          </a:xfrm>
+          <a:prstGeom prst="rect">
+            <a:avLst/>
+          </a:prstGeom>
+          <a:noFill/>
+        </p:spPr>
+        <p:txBody>
+          <a:bodyPr wrap="square" rtlCol="0">
+            <a:spAutoFit/>
+          </a:bodyPr>
+          <a:lstStyle/>
+          <a:p>
+            <a:r>
+              <a:rPr lang="fr-FR" dirty="0" err="1" smtClean="0"/>
+              <a:t>Your</a:t>
+            </a:r>
+            <a:r>
+              <a:rPr lang="fr-FR" dirty="0" smtClean="0"/>
+              <a:t> images</a:t>
+            </a:r>
+            <a:endParaRPr lang="fr-FR" dirty="0"/>
+          </a:p>
+        </p:txBody>
+      </p:sp>
+      <p:sp>
+        <p:nvSpPr>
+          <p:cNvPr id="18" name="ZoneTexte 17"/>
+          <p:cNvSpPr txBox="1"/>
+          <p:nvPr/>
+        </p:nvSpPr>
+        <p:spPr>
+          <a:xfrm>
+            <a:off x="2555776" y="116632"/>
+            <a:ext cx="2232248" cy="369332"/>
+          </a:xfrm>
+          <a:prstGeom prst="rect">
+            <a:avLst/>
+          </a:prstGeom>
+          <a:noFill/>
+        </p:spPr>
+        <p:txBody>
+          <a:bodyPr wrap="square" rtlCol="0">
+            <a:spAutoFit/>
+          </a:bodyPr>
+          <a:lstStyle/>
+          <a:p>
+            <a:r>
+              <a:rPr lang="fr-FR" dirty="0" smtClean="0"/>
+              <a:t>Octave encoder</a:t>
+            </a:r>
+            <a:endParaRPr lang="fr-FR" dirty="0"/>
+          </a:p>
+        </p:txBody>
+      </p:sp>
+      <p:sp>
+        <p:nvSpPr>
+          <p:cNvPr id="21" name="ZoneTexte 20"/>
+          <p:cNvSpPr txBox="1"/>
+          <p:nvPr/>
+        </p:nvSpPr>
+        <p:spPr>
+          <a:xfrm>
+            <a:off x="5364088" y="116632"/>
+            <a:ext cx="1080120" cy="369332"/>
+          </a:xfrm>
+          <a:prstGeom prst="rect">
+            <a:avLst/>
+          </a:prstGeom>
+          <a:noFill/>
+        </p:spPr>
+        <p:txBody>
+          <a:bodyPr wrap="square" rtlCol="0">
+            <a:spAutoFit/>
+          </a:bodyPr>
+          <a:lstStyle/>
+          <a:p>
+            <a:r>
+              <a:rPr lang="fr-FR" dirty="0" err="1" smtClean="0"/>
+              <a:t>Arduino</a:t>
+            </a:r>
+            <a:endParaRPr lang="fr-FR" dirty="0"/>
+          </a:p>
+        </p:txBody>
+      </p:sp>
+      <p:sp>
+        <p:nvSpPr>
+          <p:cNvPr id="22" name="ZoneTexte 21"/>
+          <p:cNvSpPr txBox="1"/>
+          <p:nvPr/>
+        </p:nvSpPr>
+        <p:spPr>
+          <a:xfrm>
+            <a:off x="7105952" y="90598"/>
+            <a:ext cx="1836712" cy="369332"/>
+          </a:xfrm>
+          <a:prstGeom prst="rect">
+            <a:avLst/>
+          </a:prstGeom>
+          <a:noFill/>
+        </p:spPr>
+        <p:txBody>
+          <a:bodyPr wrap="square" rtlCol="0">
+            <a:spAutoFit/>
+          </a:bodyPr>
+          <a:lstStyle/>
+          <a:p>
+            <a:r>
+              <a:rPr lang="fr-FR" dirty="0" smtClean="0"/>
+              <a:t>Game boy printer</a:t>
+            </a:r>
+            <a:endParaRPr lang="fr-FR" dirty="0"/>
+          </a:p>
+        </p:txBody>
+      </p:sp>
+      <p:pic>
+        <p:nvPicPr>
+          <p:cNvPr id="2" name="Picture 2" descr="K:\Personnel\Photos et videos\Game Boy Printer\Game Boy Printer injector\SD_GB_Printer7\Image_converter_3\Images\GB.png"/>
+          <p:cNvPicPr>
+            <a:picLocks noChangeAspect="1" noChangeArrowheads="1"/>
+          </p:cNvPicPr>
+          <p:nvPr/>
+        </p:nvPicPr>
+        <p:blipFill>
+          <a:blip r:embed="rId4" cstate="print"/>
+          <a:srcRect/>
+          <a:stretch>
+            <a:fillRect/>
+          </a:stretch>
+        </p:blipFill>
+        <p:spPr bwMode="auto">
+          <a:xfrm>
+            <a:off x="304063" y="459930"/>
+            <a:ext cx="1315609" cy="2104974"/>
+          </a:xfrm>
+          <a:prstGeom prst="rect">
+            <a:avLst/>
+          </a:prstGeom>
+          <a:noFill/>
+        </p:spPr>
+      </p:pic>
+      <p:pic>
+        <p:nvPicPr>
+          <p:cNvPr id="3" name="Picture 2" descr="L1: Turning on an LED - Physical Computing"/>
+          <p:cNvPicPr>
+            <a:picLocks noChangeAspect="1" noChangeArrowheads="1"/>
+          </p:cNvPicPr>
+          <p:nvPr/>
+        </p:nvPicPr>
+        <p:blipFill>
+          <a:blip r:embed="rId5" cstate="print">
+            <a:extLst>
+              <a:ext uri="{28A0092B-C50C-407E-A947-70E740481C1C}">
+                <a14:useLocalDpi xmlns:a14="http://schemas.microsoft.com/office/drawing/2010/main" val="0"/>
+              </a:ext>
+            </a:extLst>
+          </a:blip>
+          <a:srcRect/>
+          <a:stretch>
+            <a:fillRect/>
+          </a:stretch>
+        </p:blipFill>
+        <p:spPr bwMode="auto">
+          <a:xfrm>
+            <a:off x="4769542" y="692695"/>
+            <a:ext cx="1962698" cy="1440161"/>
+          </a:xfrm>
+          <a:prstGeom prst="rect">
+            <a:avLst/>
+          </a:prstGeom>
+          <a:noFill/>
+          <a:extLst>
+            <a:ext uri="{909E8E84-426E-40DD-AFC4-6F175D3DCCD1}">
+              <a14:hiddenFill xmlns:a14="http://schemas.microsoft.com/office/drawing/2010/main">
+                <a:solidFill>
+                  <a:srgbClr val="FFFFFF"/>
+                </a:solidFill>
+              </a14:hiddenFill>
+            </a:ext>
+          </a:extLst>
+        </p:spPr>
+      </p:pic>
+      <p:sp>
+        <p:nvSpPr>
+          <p:cNvPr id="24" name="Flèche droite 23"/>
+          <p:cNvSpPr/>
+          <p:nvPr/>
+        </p:nvSpPr>
+        <p:spPr>
+          <a:xfrm>
+            <a:off x="4087335" y="1185327"/>
+            <a:ext cx="576064" cy="360040"/>
+          </a:xfrm>
+          <a:prstGeom prst="rightArrow">
+            <a:avLst/>
+          </a:prstGeom>
+        </p:spPr>
+        <p:style>
+          <a:lnRef idx="2">
+            <a:schemeClr val="accent1">
+              <a:shade val="50000"/>
+            </a:schemeClr>
+          </a:lnRef>
+          <a:fillRef idx="1">
+            <a:schemeClr val="accent1"/>
+          </a:fillRef>
+          <a:effectRef idx="0">
+            <a:schemeClr val="accent1"/>
+          </a:effectRef>
+          <a:fontRef idx="minor">
+            <a:schemeClr val="lt1"/>
+          </a:fontRef>
+        </p:style>
+        <p:txBody>
+          <a:bodyPr rtlCol="0" anchor="ctr"/>
+          <a:lstStyle/>
+          <a:p>
+            <a:pPr algn="ctr"/>
+            <a:endParaRPr lang="fr-FR"/>
+          </a:p>
+        </p:txBody>
+      </p:sp>
+    </p:spTree>
+    <p:extLst>
+      <p:ext uri="{BB962C8B-B14F-4D97-AF65-F5344CB8AC3E}">
+        <p14:creationId xmlns:p14="http://schemas.microsoft.com/office/powerpoint/2010/main" val="597085793"/>
+      </p:ext>
+    </p:extLst>
   </p:cSld>
   <p:clrMapOvr>
     <a:masterClrMapping/>

--- a/Illustrations/Pinout_2024.pptx
+++ b/Illustrations/Pinout_2024.pptx
@@ -11806,7 +11806,7 @@
         </p:blipFill>
         <p:spPr>
           <a:xfrm>
-            <a:off x="2339752" y="557972"/>
+            <a:off x="2243572" y="557972"/>
             <a:ext cx="2232247" cy="1810899"/>
           </a:xfrm>
           <a:prstGeom prst="rect">
@@ -11846,7 +11846,7 @@
       </p:sp>
       <p:pic>
         <p:nvPicPr>
-          <p:cNvPr id="1029" name="Picture 5" descr="C:\Users\BOICHOT\Desktop\SD_GB_Printer6\GBCAM.png"/>
+          <p:cNvPr id="1032" name="Picture 8" descr="Fichier:Game Boy Printer.png — Wikipédia"/>
           <p:cNvPicPr>
             <a:picLocks noChangeAspect="1" noChangeArrowheads="1"/>
           </p:cNvPicPr>
@@ -11861,8 +11861,8 @@
         </p:blipFill>
         <p:spPr bwMode="auto">
           <a:xfrm>
-            <a:off x="107504" y="557972"/>
-            <a:ext cx="1524000" cy="1371600"/>
+            <a:off x="7284132" y="476672"/>
+            <a:ext cx="1741539" cy="2404917"/>
           </a:xfrm>
           <a:prstGeom prst="rect">
             <a:avLst/>
@@ -11872,7 +11872,7 @@
       </p:pic>
       <p:pic>
         <p:nvPicPr>
-          <p:cNvPr id="1032" name="Picture 8" descr="Fichier:Game Boy Printer.png — Wikipédia"/>
+          <p:cNvPr id="1033" name="Picture 9"/>
           <p:cNvPicPr>
             <a:picLocks noChangeAspect="1" noChangeArrowheads="1"/>
           </p:cNvPicPr>
@@ -11887,18 +11887,144 @@
         </p:blipFill>
         <p:spPr bwMode="auto">
           <a:xfrm>
-            <a:off x="7380312" y="476672"/>
-            <a:ext cx="1741539" cy="2404917"/>
+            <a:off x="2243572" y="3212976"/>
+            <a:ext cx="2133972" cy="1367931"/>
           </a:xfrm>
           <a:prstGeom prst="rect">
             <a:avLst/>
           </a:prstGeom>
           <a:noFill/>
+          <a:ln w="9525">
+            <a:noFill/>
+            <a:miter lim="800000"/>
+            <a:headEnd/>
+            <a:tailEnd/>
+          </a:ln>
         </p:spPr>
       </p:pic>
+      <p:sp>
+        <p:nvSpPr>
+          <p:cNvPr id="11" name="Flèche droite 10"/>
+          <p:cNvSpPr/>
+          <p:nvPr/>
+        </p:nvSpPr>
+        <p:spPr>
+          <a:xfrm>
+            <a:off x="1811524" y="1196752"/>
+            <a:ext cx="576064" cy="360040"/>
+          </a:xfrm>
+          <a:prstGeom prst="rightArrow">
+            <a:avLst/>
+          </a:prstGeom>
+        </p:spPr>
+        <p:style>
+          <a:lnRef idx="2">
+            <a:schemeClr val="accent1">
+              <a:shade val="50000"/>
+            </a:schemeClr>
+          </a:lnRef>
+          <a:fillRef idx="1">
+            <a:schemeClr val="accent1"/>
+          </a:fillRef>
+          <a:effectRef idx="0">
+            <a:schemeClr val="accent1"/>
+          </a:effectRef>
+          <a:fontRef idx="minor">
+            <a:schemeClr val="lt1"/>
+          </a:fontRef>
+        </p:style>
+        <p:txBody>
+          <a:bodyPr rtlCol="0" anchor="ctr"/>
+          <a:lstStyle/>
+          <a:p>
+            <a:pPr algn="ctr"/>
+            <a:endParaRPr lang="fr-FR"/>
+          </a:p>
+        </p:txBody>
+      </p:sp>
+      <p:sp>
+        <p:nvSpPr>
+          <p:cNvPr id="12" name="Flèche droite 11"/>
+          <p:cNvSpPr/>
+          <p:nvPr/>
+        </p:nvSpPr>
+        <p:spPr>
+          <a:xfrm rot="5400000">
+            <a:off x="2999656" y="2600908"/>
+            <a:ext cx="576064" cy="360040"/>
+          </a:xfrm>
+          <a:prstGeom prst="rightArrow">
+            <a:avLst/>
+          </a:prstGeom>
+        </p:spPr>
+        <p:style>
+          <a:lnRef idx="2">
+            <a:schemeClr val="accent1">
+              <a:shade val="50000"/>
+            </a:schemeClr>
+          </a:lnRef>
+          <a:fillRef idx="1">
+            <a:schemeClr val="accent1"/>
+          </a:fillRef>
+          <a:effectRef idx="0">
+            <a:schemeClr val="accent1"/>
+          </a:effectRef>
+          <a:fontRef idx="minor">
+            <a:schemeClr val="lt1"/>
+          </a:fontRef>
+        </p:style>
+        <p:txBody>
+          <a:bodyPr rtlCol="0" anchor="ctr"/>
+          <a:lstStyle/>
+          <a:p>
+            <a:pPr algn="ctr"/>
+            <a:endParaRPr lang="fr-FR"/>
+          </a:p>
+        </p:txBody>
+      </p:sp>
+      <p:sp>
+        <p:nvSpPr>
+          <p:cNvPr id="13" name="Flèche droite 12"/>
+          <p:cNvSpPr/>
+          <p:nvPr/>
+        </p:nvSpPr>
+        <p:spPr>
+          <a:xfrm>
+            <a:off x="4475820" y="3717032"/>
+            <a:ext cx="576064" cy="360040"/>
+          </a:xfrm>
+          <a:prstGeom prst="rightArrow">
+            <a:avLst/>
+          </a:prstGeom>
+        </p:spPr>
+        <p:style>
+          <a:lnRef idx="2">
+            <a:schemeClr val="accent1">
+              <a:shade val="50000"/>
+            </a:schemeClr>
+          </a:lnRef>
+          <a:fillRef idx="1">
+            <a:schemeClr val="accent1"/>
+          </a:fillRef>
+          <a:effectRef idx="0">
+            <a:schemeClr val="accent1"/>
+          </a:effectRef>
+          <a:fontRef idx="minor">
+            <a:schemeClr val="lt1"/>
+          </a:fontRef>
+        </p:style>
+        <p:txBody>
+          <a:bodyPr rtlCol="0" anchor="ctr"/>
+          <a:lstStyle/>
+          <a:p>
+            <a:pPr algn="ctr"/>
+            <a:endParaRPr lang="fr-FR"/>
+          </a:p>
+        </p:txBody>
+      </p:sp>
       <p:pic>
         <p:nvPicPr>
-          <p:cNvPr id="1033" name="Picture 9"/>
+          <p:cNvPr id="1035" name="Picture 11" descr="Carte Mémoire microSDHC SanDisk Ultra 32 Go Classe 10 pour Android avec  Vitesse de lecture Allant jusqu'à 80 Mo/s + Adaptateur SD: Amazon.fr:  Informatique"/>
           <p:cNvPicPr>
             <a:picLocks noChangeAspect="1" noChangeArrowheads="1"/>
           </p:cNvPicPr>
@@ -11913,30 +12039,24 @@
         </p:blipFill>
         <p:spPr bwMode="auto">
           <a:xfrm>
-            <a:off x="2339752" y="3212976"/>
-            <a:ext cx="2133972" cy="1367931"/>
+            <a:off x="5411924" y="3284984"/>
+            <a:ext cx="1317526" cy="1317526"/>
           </a:xfrm>
           <a:prstGeom prst="rect">
             <a:avLst/>
           </a:prstGeom>
           <a:noFill/>
-          <a:ln w="9525">
-            <a:noFill/>
-            <a:miter lim="800000"/>
-            <a:headEnd/>
-            <a:tailEnd/>
-          </a:ln>
         </p:spPr>
       </p:pic>
       <p:sp>
         <p:nvSpPr>
-          <p:cNvPr id="11" name="Flèche droite 10"/>
+          <p:cNvPr id="15" name="Flèche droite 14"/>
           <p:cNvSpPr/>
           <p:nvPr/>
         </p:nvSpPr>
         <p:spPr>
           <a:xfrm>
-            <a:off x="1907704" y="1196752"/>
+            <a:off x="6708068" y="1196752"/>
             <a:ext cx="576064" cy="360040"/>
           </a:xfrm>
           <a:prstGeom prst="rightArrow">
@@ -11970,13 +12090,13 @@
       </p:sp>
       <p:sp>
         <p:nvSpPr>
-          <p:cNvPr id="12" name="Flèche droite 11"/>
+          <p:cNvPr id="16" name="Flèche droite 15"/>
           <p:cNvSpPr/>
           <p:nvPr/>
         </p:nvSpPr>
         <p:spPr>
-          <a:xfrm rot="5400000">
-            <a:off x="3095836" y="2600908"/>
+          <a:xfrm rot="16200000">
+            <a:off x="5591944" y="2600908"/>
             <a:ext cx="576064" cy="360040"/>
           </a:xfrm>
           <a:prstGeom prst="rightArrow">
@@ -12010,47 +12130,203 @@
       </p:sp>
       <p:sp>
         <p:nvSpPr>
-          <p:cNvPr id="13" name="Flèche droite 12"/>
-          <p:cNvSpPr/>
-          <p:nvPr/>
-        </p:nvSpPr>
-        <p:spPr>
-          <a:xfrm>
-            <a:off x="4572000" y="3717032"/>
-            <a:ext cx="576064" cy="360040"/>
-          </a:xfrm>
-          <a:prstGeom prst="rightArrow">
-            <a:avLst/>
-          </a:prstGeom>
-        </p:spPr>
-        <p:style>
-          <a:lnRef idx="2">
-            <a:schemeClr val="accent1">
-              <a:shade val="50000"/>
-            </a:schemeClr>
-          </a:lnRef>
-          <a:fillRef idx="1">
-            <a:schemeClr val="accent1"/>
-          </a:fillRef>
-          <a:effectRef idx="0">
-            <a:schemeClr val="accent1"/>
-          </a:effectRef>
-          <a:fontRef idx="minor">
-            <a:schemeClr val="lt1"/>
-          </a:fontRef>
-        </p:style>
-        <p:txBody>
-          <a:bodyPr rtlCol="0" anchor="ctr"/>
+          <p:cNvPr id="17" name="ZoneTexte 16"/>
+          <p:cNvSpPr txBox="1"/>
+          <p:nvPr/>
+        </p:nvSpPr>
+        <p:spPr>
+          <a:xfrm>
+            <a:off x="155340" y="116632"/>
+            <a:ext cx="1368152" cy="369332"/>
+          </a:xfrm>
+          <a:prstGeom prst="rect">
+            <a:avLst/>
+          </a:prstGeom>
+          <a:noFill/>
+        </p:spPr>
+        <p:txBody>
+          <a:bodyPr wrap="square" rtlCol="0">
+            <a:spAutoFit/>
+          </a:bodyPr>
+          <a:lstStyle/>
+          <a:p>
+            <a:r>
+              <a:rPr lang="fr-FR" dirty="0" err="1" smtClean="0"/>
+              <a:t>Your</a:t>
+            </a:r>
+            <a:r>
+              <a:rPr lang="fr-FR" dirty="0" smtClean="0"/>
+              <a:t> images</a:t>
+            </a:r>
+            <a:endParaRPr lang="fr-FR" dirty="0"/>
+          </a:p>
+        </p:txBody>
+      </p:sp>
+      <p:sp>
+        <p:nvSpPr>
+          <p:cNvPr id="18" name="ZoneTexte 17"/>
+          <p:cNvSpPr txBox="1"/>
+          <p:nvPr/>
+        </p:nvSpPr>
+        <p:spPr>
+          <a:xfrm>
+            <a:off x="2459596" y="116632"/>
+            <a:ext cx="2232248" cy="369332"/>
+          </a:xfrm>
+          <a:prstGeom prst="rect">
+            <a:avLst/>
+          </a:prstGeom>
+          <a:noFill/>
+        </p:spPr>
+        <p:txBody>
+          <a:bodyPr wrap="square" rtlCol="0">
+            <a:spAutoFit/>
+          </a:bodyPr>
+          <a:lstStyle/>
+          <a:p>
+            <a:r>
+              <a:rPr lang="fr-FR" dirty="0" smtClean="0"/>
+              <a:t>Octave encoder</a:t>
+            </a:r>
+            <a:endParaRPr lang="fr-FR" dirty="0"/>
+          </a:p>
+        </p:txBody>
+      </p:sp>
+      <p:sp>
+        <p:nvSpPr>
+          <p:cNvPr id="19" name="ZoneTexte 18"/>
+          <p:cNvSpPr txBox="1"/>
+          <p:nvPr/>
+        </p:nvSpPr>
+        <p:spPr>
+          <a:xfrm>
+            <a:off x="2027548" y="4653136"/>
+            <a:ext cx="2880320" cy="369332"/>
+          </a:xfrm>
+          <a:prstGeom prst="rect">
+            <a:avLst/>
+          </a:prstGeom>
+          <a:noFill/>
+        </p:spPr>
+        <p:txBody>
+          <a:bodyPr wrap="square" rtlCol="0">
+            <a:spAutoFit/>
+          </a:bodyPr>
+          <a:lstStyle/>
+          <a:p>
+            <a:r>
+              <a:rPr lang="fr-FR" dirty="0" smtClean="0"/>
+              <a:t>Game Boy data </a:t>
+            </a:r>
+            <a:r>
+              <a:rPr lang="fr-FR" dirty="0" err="1" smtClean="0"/>
+              <a:t>tile</a:t>
+            </a:r>
+            <a:r>
+              <a:rPr lang="fr-FR" dirty="0" smtClean="0"/>
+              <a:t> format</a:t>
+            </a:r>
+          </a:p>
+        </p:txBody>
+      </p:sp>
+      <p:sp>
+        <p:nvSpPr>
+          <p:cNvPr id="20" name="ZoneTexte 19"/>
+          <p:cNvSpPr txBox="1"/>
+          <p:nvPr/>
+        </p:nvSpPr>
+        <p:spPr>
+          <a:xfrm>
+            <a:off x="5195900" y="4643844"/>
+            <a:ext cx="1296144" cy="369332"/>
+          </a:xfrm>
+          <a:prstGeom prst="rect">
+            <a:avLst/>
+          </a:prstGeom>
+          <a:noFill/>
+        </p:spPr>
+        <p:txBody>
+          <a:bodyPr wrap="square" rtlCol="0">
+            <a:spAutoFit/>
+          </a:bodyPr>
           <a:lstStyle/>
           <a:p>
             <a:pPr algn="ctr"/>
-            <a:endParaRPr lang="fr-FR"/>
+            <a:r>
+              <a:rPr lang="fr-FR" dirty="0" smtClean="0"/>
+              <a:t>SD </a:t>
+            </a:r>
+            <a:r>
+              <a:rPr lang="fr-FR" dirty="0" err="1" smtClean="0"/>
+              <a:t>Card</a:t>
+            </a:r>
+            <a:endParaRPr lang="fr-FR" dirty="0"/>
+          </a:p>
+        </p:txBody>
+      </p:sp>
+      <p:sp>
+        <p:nvSpPr>
+          <p:cNvPr id="21" name="ZoneTexte 20"/>
+          <p:cNvSpPr txBox="1"/>
+          <p:nvPr/>
+        </p:nvSpPr>
+        <p:spPr>
+          <a:xfrm>
+            <a:off x="5267908" y="116632"/>
+            <a:ext cx="1080120" cy="369332"/>
+          </a:xfrm>
+          <a:prstGeom prst="rect">
+            <a:avLst/>
+          </a:prstGeom>
+          <a:noFill/>
+        </p:spPr>
+        <p:txBody>
+          <a:bodyPr wrap="square" rtlCol="0">
+            <a:spAutoFit/>
+          </a:bodyPr>
+          <a:lstStyle/>
+          <a:p>
+            <a:r>
+              <a:rPr lang="fr-FR" dirty="0" err="1" smtClean="0"/>
+              <a:t>Arduino</a:t>
+            </a:r>
+            <a:endParaRPr lang="fr-FR" dirty="0"/>
+          </a:p>
+        </p:txBody>
+      </p:sp>
+      <p:sp>
+        <p:nvSpPr>
+          <p:cNvPr id="22" name="ZoneTexte 21"/>
+          <p:cNvSpPr txBox="1"/>
+          <p:nvPr/>
+        </p:nvSpPr>
+        <p:spPr>
+          <a:xfrm>
+            <a:off x="6924092" y="134432"/>
+            <a:ext cx="1836712" cy="369332"/>
+          </a:xfrm>
+          <a:prstGeom prst="rect">
+            <a:avLst/>
+          </a:prstGeom>
+          <a:noFill/>
+        </p:spPr>
+        <p:txBody>
+          <a:bodyPr wrap="square" rtlCol="0">
+            <a:spAutoFit/>
+          </a:bodyPr>
+          <a:lstStyle/>
+          <a:p>
+            <a:r>
+              <a:rPr lang="fr-FR" dirty="0" smtClean="0"/>
+              <a:t>Game boy printer</a:t>
+            </a:r>
+            <a:endParaRPr lang="fr-FR" dirty="0"/>
           </a:p>
         </p:txBody>
       </p:sp>
       <p:pic>
         <p:nvPicPr>
-          <p:cNvPr id="1035" name="Picture 11" descr="Carte Mémoire microSDHC SanDisk Ultra 32 Go Classe 10 pour Android avec  Vitesse de lecture Allant jusqu'à 80 Mo/s + Adaptateur SD: Amazon.fr:  Informatique"/>
+          <p:cNvPr id="2" name="Picture 2" descr="K:\Personnel\Photos et videos\Game Boy Printer\Game Boy Printer injector\SD_GB_Printer7\Image_converter_3\Images\GB.png"/>
           <p:cNvPicPr>
             <a:picLocks noChangeAspect="1" noChangeArrowheads="1"/>
           </p:cNvPicPr>
@@ -12065,355 +12341,7 @@
         </p:blipFill>
         <p:spPr bwMode="auto">
           <a:xfrm>
-            <a:off x="5508104" y="3284984"/>
-            <a:ext cx="1317526" cy="1317526"/>
-          </a:xfrm>
-          <a:prstGeom prst="rect">
-            <a:avLst/>
-          </a:prstGeom>
-          <a:noFill/>
-        </p:spPr>
-      </p:pic>
-      <p:sp>
-        <p:nvSpPr>
-          <p:cNvPr id="15" name="Flèche droite 14"/>
-          <p:cNvSpPr/>
-          <p:nvPr/>
-        </p:nvSpPr>
-        <p:spPr>
-          <a:xfrm>
-            <a:off x="6804248" y="1196752"/>
-            <a:ext cx="576064" cy="360040"/>
-          </a:xfrm>
-          <a:prstGeom prst="rightArrow">
-            <a:avLst/>
-          </a:prstGeom>
-        </p:spPr>
-        <p:style>
-          <a:lnRef idx="2">
-            <a:schemeClr val="accent1">
-              <a:shade val="50000"/>
-            </a:schemeClr>
-          </a:lnRef>
-          <a:fillRef idx="1">
-            <a:schemeClr val="accent1"/>
-          </a:fillRef>
-          <a:effectRef idx="0">
-            <a:schemeClr val="accent1"/>
-          </a:effectRef>
-          <a:fontRef idx="minor">
-            <a:schemeClr val="lt1"/>
-          </a:fontRef>
-        </p:style>
-        <p:txBody>
-          <a:bodyPr rtlCol="0" anchor="ctr"/>
-          <a:lstStyle/>
-          <a:p>
-            <a:pPr algn="ctr"/>
-            <a:endParaRPr lang="fr-FR"/>
-          </a:p>
-        </p:txBody>
-      </p:sp>
-      <p:sp>
-        <p:nvSpPr>
-          <p:cNvPr id="16" name="Flèche droite 15"/>
-          <p:cNvSpPr/>
-          <p:nvPr/>
-        </p:nvSpPr>
-        <p:spPr>
-          <a:xfrm rot="16200000">
-            <a:off x="5688124" y="2600908"/>
-            <a:ext cx="576064" cy="360040"/>
-          </a:xfrm>
-          <a:prstGeom prst="rightArrow">
-            <a:avLst/>
-          </a:prstGeom>
-        </p:spPr>
-        <p:style>
-          <a:lnRef idx="2">
-            <a:schemeClr val="accent1">
-              <a:shade val="50000"/>
-            </a:schemeClr>
-          </a:lnRef>
-          <a:fillRef idx="1">
-            <a:schemeClr val="accent1"/>
-          </a:fillRef>
-          <a:effectRef idx="0">
-            <a:schemeClr val="accent1"/>
-          </a:effectRef>
-          <a:fontRef idx="minor">
-            <a:schemeClr val="lt1"/>
-          </a:fontRef>
-        </p:style>
-        <p:txBody>
-          <a:bodyPr rtlCol="0" anchor="ctr"/>
-          <a:lstStyle/>
-          <a:p>
-            <a:pPr algn="ctr"/>
-            <a:endParaRPr lang="fr-FR"/>
-          </a:p>
-        </p:txBody>
-      </p:sp>
-      <p:sp>
-        <p:nvSpPr>
-          <p:cNvPr id="17" name="ZoneTexte 16"/>
-          <p:cNvSpPr txBox="1"/>
-          <p:nvPr/>
-        </p:nvSpPr>
-        <p:spPr>
-          <a:xfrm>
-            <a:off x="251520" y="116632"/>
-            <a:ext cx="1368152" cy="369332"/>
-          </a:xfrm>
-          <a:prstGeom prst="rect">
-            <a:avLst/>
-          </a:prstGeom>
-          <a:noFill/>
-        </p:spPr>
-        <p:txBody>
-          <a:bodyPr wrap="square" rtlCol="0">
-            <a:spAutoFit/>
-          </a:bodyPr>
-          <a:lstStyle/>
-          <a:p>
-            <a:r>
-              <a:rPr lang="fr-FR" dirty="0" err="1" smtClean="0"/>
-              <a:t>Your</a:t>
-            </a:r>
-            <a:r>
-              <a:rPr lang="fr-FR" dirty="0" smtClean="0"/>
-              <a:t> images</a:t>
-            </a:r>
-            <a:endParaRPr lang="fr-FR" dirty="0"/>
-          </a:p>
-        </p:txBody>
-      </p:sp>
-      <p:sp>
-        <p:nvSpPr>
-          <p:cNvPr id="18" name="ZoneTexte 17"/>
-          <p:cNvSpPr txBox="1"/>
-          <p:nvPr/>
-        </p:nvSpPr>
-        <p:spPr>
-          <a:xfrm>
-            <a:off x="2555776" y="116632"/>
-            <a:ext cx="2232248" cy="369332"/>
-          </a:xfrm>
-          <a:prstGeom prst="rect">
-            <a:avLst/>
-          </a:prstGeom>
-          <a:noFill/>
-        </p:spPr>
-        <p:txBody>
-          <a:bodyPr wrap="square" rtlCol="0">
-            <a:spAutoFit/>
-          </a:bodyPr>
-          <a:lstStyle/>
-          <a:p>
-            <a:r>
-              <a:rPr lang="fr-FR" dirty="0" smtClean="0"/>
-              <a:t>Octave encoder</a:t>
-            </a:r>
-            <a:endParaRPr lang="fr-FR" dirty="0"/>
-          </a:p>
-        </p:txBody>
-      </p:sp>
-      <p:sp>
-        <p:nvSpPr>
-          <p:cNvPr id="19" name="ZoneTexte 18"/>
-          <p:cNvSpPr txBox="1"/>
-          <p:nvPr/>
-        </p:nvSpPr>
-        <p:spPr>
-          <a:xfrm>
-            <a:off x="2123728" y="4653136"/>
-            <a:ext cx="2880320" cy="369332"/>
-          </a:xfrm>
-          <a:prstGeom prst="rect">
-            <a:avLst/>
-          </a:prstGeom>
-          <a:noFill/>
-        </p:spPr>
-        <p:txBody>
-          <a:bodyPr wrap="square" rtlCol="0">
-            <a:spAutoFit/>
-          </a:bodyPr>
-          <a:lstStyle/>
-          <a:p>
-            <a:r>
-              <a:rPr lang="fr-FR" dirty="0" smtClean="0"/>
-              <a:t>Game Boy data </a:t>
-            </a:r>
-            <a:r>
-              <a:rPr lang="fr-FR" dirty="0" err="1" smtClean="0"/>
-              <a:t>tile</a:t>
-            </a:r>
-            <a:r>
-              <a:rPr lang="fr-FR" dirty="0" smtClean="0"/>
-              <a:t> format</a:t>
-            </a:r>
-          </a:p>
-        </p:txBody>
-      </p:sp>
-      <p:sp>
-        <p:nvSpPr>
-          <p:cNvPr id="20" name="ZoneTexte 19"/>
-          <p:cNvSpPr txBox="1"/>
-          <p:nvPr/>
-        </p:nvSpPr>
-        <p:spPr>
-          <a:xfrm>
-            <a:off x="5292080" y="4643844"/>
-            <a:ext cx="1296144" cy="369332"/>
-          </a:xfrm>
-          <a:prstGeom prst="rect">
-            <a:avLst/>
-          </a:prstGeom>
-          <a:noFill/>
-        </p:spPr>
-        <p:txBody>
-          <a:bodyPr wrap="square" rtlCol="0">
-            <a:spAutoFit/>
-          </a:bodyPr>
-          <a:lstStyle/>
-          <a:p>
-            <a:pPr algn="ctr"/>
-            <a:r>
-              <a:rPr lang="fr-FR" dirty="0" smtClean="0"/>
-              <a:t>SD </a:t>
-            </a:r>
-            <a:r>
-              <a:rPr lang="fr-FR" dirty="0" err="1" smtClean="0"/>
-              <a:t>Card</a:t>
-            </a:r>
-            <a:endParaRPr lang="fr-FR" dirty="0"/>
-          </a:p>
-        </p:txBody>
-      </p:sp>
-      <p:sp>
-        <p:nvSpPr>
-          <p:cNvPr id="21" name="ZoneTexte 20"/>
-          <p:cNvSpPr txBox="1"/>
-          <p:nvPr/>
-        </p:nvSpPr>
-        <p:spPr>
-          <a:xfrm>
-            <a:off x="5364088" y="116632"/>
-            <a:ext cx="1080120" cy="369332"/>
-          </a:xfrm>
-          <a:prstGeom prst="rect">
-            <a:avLst/>
-          </a:prstGeom>
-          <a:noFill/>
-        </p:spPr>
-        <p:txBody>
-          <a:bodyPr wrap="square" rtlCol="0">
-            <a:spAutoFit/>
-          </a:bodyPr>
-          <a:lstStyle/>
-          <a:p>
-            <a:r>
-              <a:rPr lang="fr-FR" dirty="0" err="1" smtClean="0"/>
-              <a:t>Arduino</a:t>
-            </a:r>
-            <a:endParaRPr lang="fr-FR" dirty="0"/>
-          </a:p>
-        </p:txBody>
-      </p:sp>
-      <p:sp>
-        <p:nvSpPr>
-          <p:cNvPr id="22" name="ZoneTexte 21"/>
-          <p:cNvSpPr txBox="1"/>
-          <p:nvPr/>
-        </p:nvSpPr>
-        <p:spPr>
-          <a:xfrm>
-            <a:off x="7308304" y="2924944"/>
-            <a:ext cx="1836712" cy="369332"/>
-          </a:xfrm>
-          <a:prstGeom prst="rect">
-            <a:avLst/>
-          </a:prstGeom>
-          <a:noFill/>
-        </p:spPr>
-        <p:txBody>
-          <a:bodyPr wrap="square" rtlCol="0">
-            <a:spAutoFit/>
-          </a:bodyPr>
-          <a:lstStyle/>
-          <a:p>
-            <a:r>
-              <a:rPr lang="fr-FR" dirty="0" smtClean="0"/>
-              <a:t>Game boy printer</a:t>
-            </a:r>
-            <a:endParaRPr lang="fr-FR" dirty="0"/>
-          </a:p>
-        </p:txBody>
-      </p:sp>
-      <p:sp>
-        <p:nvSpPr>
-          <p:cNvPr id="23" name="ZoneTexte 22"/>
-          <p:cNvSpPr txBox="1"/>
-          <p:nvPr/>
-        </p:nvSpPr>
-        <p:spPr>
-          <a:xfrm>
-            <a:off x="0" y="4518412"/>
-            <a:ext cx="1944216" cy="646331"/>
-          </a:xfrm>
-          <a:prstGeom prst="rect">
-            <a:avLst/>
-          </a:prstGeom>
-          <a:noFill/>
-        </p:spPr>
-        <p:txBody>
-          <a:bodyPr wrap="square" rtlCol="0">
-            <a:spAutoFit/>
-          </a:bodyPr>
-          <a:lstStyle/>
-          <a:p>
-            <a:pPr algn="ctr"/>
-            <a:r>
-              <a:rPr lang="fr-FR" dirty="0" smtClean="0"/>
-              <a:t>160x(16*X) pixels</a:t>
-            </a:r>
-          </a:p>
-          <a:p>
-            <a:pPr algn="ctr"/>
-            <a:r>
-              <a:rPr lang="fr-FR" dirty="0" smtClean="0"/>
-              <a:t>4 </a:t>
-            </a:r>
-            <a:r>
-              <a:rPr lang="fr-FR" dirty="0" err="1" smtClean="0"/>
-              <a:t>shades</a:t>
-            </a:r>
-            <a:r>
-              <a:rPr lang="fr-FR" dirty="0" smtClean="0"/>
-              <a:t> of gray</a:t>
-            </a:r>
-            <a:endParaRPr lang="fr-FR" dirty="0"/>
-          </a:p>
-        </p:txBody>
-      </p:sp>
-      <p:pic>
-        <p:nvPicPr>
-          <p:cNvPr id="2" name="Picture 2" descr="K:\Personnel\Photos et videos\Game Boy Printer\Game Boy Printer injector\SD_GB_Printer7\Image_converter_3\Images\GB.png"/>
-          <p:cNvPicPr>
-            <a:picLocks noChangeAspect="1" noChangeArrowheads="1"/>
-          </p:cNvPicPr>
-          <p:nvPr/>
-        </p:nvPicPr>
-        <p:blipFill>
-          <a:blip r:embed="rId7" cstate="print"/>
-          <a:srcRect/>
-          <a:stretch>
-            <a:fillRect/>
-          </a:stretch>
-        </p:blipFill>
-        <p:spPr bwMode="auto">
-          <a:xfrm>
-            <a:off x="179512" y="1998132"/>
+            <a:off x="107504" y="480636"/>
             <a:ext cx="1524000" cy="2438400"/>
           </a:xfrm>
           <a:prstGeom prst="rect">
@@ -12431,7 +12359,7 @@
           <p:nvPr/>
         </p:nvPicPr>
         <p:blipFill>
-          <a:blip r:embed="rId8" cstate="print">
+          <a:blip r:embed="rId7" cstate="print">
             <a:extLst>
               <a:ext uri="{28A0092B-C50C-407E-A947-70E740481C1C}">
                 <a14:useLocalDpi xmlns:a14="http://schemas.microsoft.com/office/drawing/2010/main" val="0"/>
@@ -12445,7 +12373,7 @@
         </p:blipFill>
         <p:spPr bwMode="auto">
           <a:xfrm>
-            <a:off x="4572000" y="692695"/>
+            <a:off x="4475820" y="692695"/>
             <a:ext cx="2175016" cy="1595953"/>
           </a:xfrm>
           <a:prstGeom prst="rect">

--- a/Illustrations/Pinout_2024.pptx
+++ b/Illustrations/Pinout_2024.pptx
@@ -115,7 +115,7 @@
   </p:defaultTextStyle>
   <p:extLst>
     <p:ext uri="{EFAFB233-063F-42B5-8137-9DF3F51BA10A}">
-      <p15:sldGuideLst xmlns:p15="http://schemas.microsoft.com/office/powerpoint/2012/main">
+      <p15:sldGuideLst xmlns:p15="http://schemas.microsoft.com/office/powerpoint/2012/main" xmlns="">
         <p15:guide id="1" orient="horz" pos="2160">
           <p15:clr>
             <a:srgbClr val="A4A3A4"/>
@@ -314,7 +314,7 @@
             <a:fld id="{AA309A6D-C09C-4548-B29A-6CF363A7E532}" type="datetimeFigureOut">
               <a:rPr lang="fr-FR" smtClean="0"/>
               <a:pPr/>
-              <a:t>25/03/2024</a:t>
+              <a:t>12/05/2025</a:t>
             </a:fld>
             <a:endParaRPr lang="fr-BE"/>
           </a:p>
@@ -481,7 +481,7 @@
             <a:fld id="{AA309A6D-C09C-4548-B29A-6CF363A7E532}" type="datetimeFigureOut">
               <a:rPr lang="fr-FR" smtClean="0"/>
               <a:pPr/>
-              <a:t>25/03/2024</a:t>
+              <a:t>12/05/2025</a:t>
             </a:fld>
             <a:endParaRPr lang="fr-BE"/>
           </a:p>
@@ -658,7 +658,7 @@
             <a:fld id="{AA309A6D-C09C-4548-B29A-6CF363A7E532}" type="datetimeFigureOut">
               <a:rPr lang="fr-FR" smtClean="0"/>
               <a:pPr/>
-              <a:t>25/03/2024</a:t>
+              <a:t>12/05/2025</a:t>
             </a:fld>
             <a:endParaRPr lang="fr-BE"/>
           </a:p>
@@ -825,7 +825,7 @@
             <a:fld id="{AA309A6D-C09C-4548-B29A-6CF363A7E532}" type="datetimeFigureOut">
               <a:rPr lang="fr-FR" smtClean="0"/>
               <a:pPr/>
-              <a:t>25/03/2024</a:t>
+              <a:t>12/05/2025</a:t>
             </a:fld>
             <a:endParaRPr lang="fr-BE"/>
           </a:p>
@@ -1068,7 +1068,7 @@
             <a:fld id="{AA309A6D-C09C-4548-B29A-6CF363A7E532}" type="datetimeFigureOut">
               <a:rPr lang="fr-FR" smtClean="0"/>
               <a:pPr/>
-              <a:t>25/03/2024</a:t>
+              <a:t>12/05/2025</a:t>
             </a:fld>
             <a:endParaRPr lang="fr-BE"/>
           </a:p>
@@ -1353,7 +1353,7 @@
             <a:fld id="{AA309A6D-C09C-4548-B29A-6CF363A7E532}" type="datetimeFigureOut">
               <a:rPr lang="fr-FR" smtClean="0"/>
               <a:pPr/>
-              <a:t>25/03/2024</a:t>
+              <a:t>12/05/2025</a:t>
             </a:fld>
             <a:endParaRPr lang="fr-BE"/>
           </a:p>
@@ -1772,7 +1772,7 @@
             <a:fld id="{AA309A6D-C09C-4548-B29A-6CF363A7E532}" type="datetimeFigureOut">
               <a:rPr lang="fr-FR" smtClean="0"/>
               <a:pPr/>
-              <a:t>25/03/2024</a:t>
+              <a:t>12/05/2025</a:t>
             </a:fld>
             <a:endParaRPr lang="fr-BE"/>
           </a:p>
@@ -1887,7 +1887,7 @@
             <a:fld id="{AA309A6D-C09C-4548-B29A-6CF363A7E532}" type="datetimeFigureOut">
               <a:rPr lang="fr-FR" smtClean="0"/>
               <a:pPr/>
-              <a:t>25/03/2024</a:t>
+              <a:t>12/05/2025</a:t>
             </a:fld>
             <a:endParaRPr lang="fr-BE"/>
           </a:p>
@@ -1979,7 +1979,7 @@
             <a:fld id="{AA309A6D-C09C-4548-B29A-6CF363A7E532}" type="datetimeFigureOut">
               <a:rPr lang="fr-FR" smtClean="0"/>
               <a:pPr/>
-              <a:t>25/03/2024</a:t>
+              <a:t>12/05/2025</a:t>
             </a:fld>
             <a:endParaRPr lang="fr-BE"/>
           </a:p>
@@ -2253,7 +2253,7 @@
             <a:fld id="{AA309A6D-C09C-4548-B29A-6CF363A7E532}" type="datetimeFigureOut">
               <a:rPr lang="fr-FR" smtClean="0"/>
               <a:pPr/>
-              <a:t>25/03/2024</a:t>
+              <a:t>12/05/2025</a:t>
             </a:fld>
             <a:endParaRPr lang="fr-BE"/>
           </a:p>
@@ -2503,7 +2503,7 @@
             <a:fld id="{AA309A6D-C09C-4548-B29A-6CF363A7E532}" type="datetimeFigureOut">
               <a:rPr lang="fr-FR" smtClean="0"/>
               <a:pPr/>
-              <a:t>25/03/2024</a:t>
+              <a:t>12/05/2025</a:t>
             </a:fld>
             <a:endParaRPr lang="fr-BE"/>
           </a:p>
@@ -2713,7 +2713,7 @@
             <a:fld id="{AA309A6D-C09C-4548-B29A-6CF363A7E532}" type="datetimeFigureOut">
               <a:rPr lang="fr-FR" smtClean="0"/>
               <a:pPr/>
-              <a:t>25/03/2024</a:t>
+              <a:t>12/05/2025</a:t>
             </a:fld>
             <a:endParaRPr lang="fr-BE"/>
           </a:p>
@@ -4903,7 +4903,7 @@
           <p:nvPr/>
         </p:nvPicPr>
         <p:blipFill>
-          <a:blip r:embed="rId2"/>
+          <a:blip r:embed="rId2" cstate="print"/>
           <a:stretch>
             <a:fillRect/>
           </a:stretch>
@@ -5216,7 +5216,7 @@
           <a:blip r:embed="rId5" cstate="print">
             <a:extLst>
               <a:ext uri="{28A0092B-C50C-407E-A947-70E740481C1C}">
-                <a14:useLocalDpi xmlns:a14="http://schemas.microsoft.com/office/drawing/2010/main" val="0"/>
+                <a14:useLocalDpi xmlns:a14="http://schemas.microsoft.com/office/drawing/2010/main" xmlns="" val="0"/>
               </a:ext>
             </a:extLst>
           </a:blip>
@@ -5236,7 +5236,7 @@
           <a:noFill/>
           <a:extLst>
             <a:ext uri="{909E8E84-426E-40DD-AFC4-6F175D3DCCD1}">
-              <a14:hiddenFill xmlns:a14="http://schemas.microsoft.com/office/drawing/2010/main">
+              <a14:hiddenFill xmlns:a14="http://schemas.microsoft.com/office/drawing/2010/main" xmlns="">
                 <a:solidFill>
                   <a:srgbClr val="FFFFFF"/>
                 </a:solidFill>
@@ -5288,7 +5288,7 @@
     </p:spTree>
     <p:extLst>
       <p:ext uri="{BB962C8B-B14F-4D97-AF65-F5344CB8AC3E}">
-        <p14:creationId xmlns:p14="http://schemas.microsoft.com/office/powerpoint/2010/main" val="597085793"/>
+        <p14:creationId xmlns:p14="http://schemas.microsoft.com/office/powerpoint/2010/main" xmlns="" val="597085793"/>
       </p:ext>
     </p:extLst>
   </p:cSld>
@@ -9322,15 +9322,19 @@
             </a:r>
             <a:r>
               <a:rPr lang="fr-FR" sz="1400" dirty="0" smtClean="0"/>
-              <a:t> 9 times, </a:t>
+              <a:t> </a:t>
             </a:r>
             <a:r>
               <a:rPr lang="fr-FR" sz="1400" dirty="0" err="1" smtClean="0"/>
-              <a:t>every</a:t>
+              <a:t>until</a:t>
             </a:r>
             <a:r>
               <a:rPr lang="fr-FR" sz="1400" dirty="0" smtClean="0"/>
-              <a:t> 1200 ms</a:t>
+              <a:t> not </a:t>
+            </a:r>
+            <a:r>
+              <a:rPr lang="fr-FR" sz="1400" dirty="0" err="1" smtClean="0"/>
+              <a:t>busy</a:t>
             </a:r>
             <a:endParaRPr lang="fr-FR" sz="1400" dirty="0"/>
           </a:p>
@@ -11799,7 +11803,7 @@
           <p:nvPr/>
         </p:nvPicPr>
         <p:blipFill>
-          <a:blip r:embed="rId2"/>
+          <a:blip r:embed="rId2" cstate="print"/>
           <a:stretch>
             <a:fillRect/>
           </a:stretch>
@@ -12362,7 +12366,7 @@
           <a:blip r:embed="rId7" cstate="print">
             <a:extLst>
               <a:ext uri="{28A0092B-C50C-407E-A947-70E740481C1C}">
-                <a14:useLocalDpi xmlns:a14="http://schemas.microsoft.com/office/drawing/2010/main" val="0"/>
+                <a14:useLocalDpi xmlns:a14="http://schemas.microsoft.com/office/drawing/2010/main" xmlns="" val="0"/>
               </a:ext>
             </a:extLst>
           </a:blip>
@@ -12382,7 +12386,7 @@
           <a:noFill/>
           <a:extLst>
             <a:ext uri="{909E8E84-426E-40DD-AFC4-6F175D3DCCD1}">
-              <a14:hiddenFill xmlns:a14="http://schemas.microsoft.com/office/drawing/2010/main">
+              <a14:hiddenFill xmlns:a14="http://schemas.microsoft.com/office/drawing/2010/main" xmlns="">
                 <a:solidFill>
                   <a:srgbClr val="FFFFFF"/>
                 </a:solidFill>
